--- a/img/pictures.pptx
+++ b/img/pictures.pptx
@@ -132,6 +132,22 @@
       </a:defRPr>
     </a:lvl9pPr>
   </p:defaultTextStyle>
+  <p:extLst>
+    <p:ext uri="{EFAFB233-063F-42B5-8137-9DF3F51BA10A}">
+      <p15:sldGuideLst xmlns:p15="http://schemas.microsoft.com/office/powerpoint/2012/main">
+        <p15:guide id="1" orient="horz" pos="2160">
+          <p15:clr>
+            <a:srgbClr val="A4A3A4"/>
+          </p15:clr>
+        </p15:guide>
+        <p15:guide id="2" pos="2880">
+          <p15:clr>
+            <a:srgbClr val="A4A3A4"/>
+          </p15:clr>
+        </p15:guide>
+      </p15:sldGuideLst>
+    </p:ext>
+  </p:extLst>
 </p:presentation>
 </file>
 
@@ -213,7 +229,6 @@
       <c:rotX val="30"/>
       <c:rotY val="0"/>
       <c:rAngAx val="0"/>
-      <c:perspective val="30"/>
     </c:view3D>
     <c:floor>
       <c:thickness val="0"/>
@@ -232,6 +247,13 @@
           <c:idx val="1"/>
           <c:order val="1"/>
           <c:dLbls>
+            <c:spPr>
+              <a:noFill/>
+              <a:ln>
+                <a:noFill/>
+              </a:ln>
+              <a:effectLst/>
+            </c:spPr>
             <c:showLegendKey val="0"/>
             <c:showVal val="1"/>
             <c:showCatName val="0"/>
@@ -239,6 +261,9 @@
             <c:showPercent val="1"/>
             <c:showBubbleSize val="0"/>
             <c:showLeaderLines val="1"/>
+            <c:extLst>
+              <c:ext xmlns:c15="http://schemas.microsoft.com/office/drawing/2012/chart" uri="{CE6537A1-D6FC-4f65-9D91-7224C49458BB}"/>
+            </c:extLst>
           </c:dLbls>
           <c:cat>
             <c:strRef>
@@ -287,6 +312,13 @@
           <c:order val="0"/>
           <c:explosion val="25"/>
           <c:dLbls>
+            <c:spPr>
+              <a:noFill/>
+              <a:ln>
+                <a:noFill/>
+              </a:ln>
+              <a:effectLst/>
+            </c:spPr>
             <c:showLegendKey val="0"/>
             <c:showVal val="0"/>
             <c:showCatName val="0"/>
@@ -294,6 +326,9 @@
             <c:showPercent val="1"/>
             <c:showBubbleSize val="0"/>
             <c:showLeaderLines val="1"/>
+            <c:extLst>
+              <c:ext xmlns:c15="http://schemas.microsoft.com/office/drawing/2012/chart" uri="{CE6537A1-D6FC-4f65-9D91-7224C49458BB}"/>
+            </c:extLst>
           </c:dLbls>
           <c:cat>
             <c:strRef>
@@ -350,7 +385,6 @@
     </c:plotArea>
     <c:legend>
       <c:legendPos val="r"/>
-      <c:layout/>
       <c:overlay val="0"/>
     </c:legend>
     <c:plotVisOnly val="1"/>
@@ -426,7 +460,6 @@
           </a:p>
         </c:rich>
       </c:tx>
-      <c:layout/>
       <c:overlay val="0"/>
     </c:title>
     <c:autoTitleDeleted val="0"/>
@@ -616,7 +649,7 @@
                   <c:v>5.141500000000001</c:v>
                 </c:pt>
                 <c:pt idx="6">
-                  <c:v>6.824999999999996</c:v>
+                  <c:v>6.824999999999995</c:v>
                 </c:pt>
                 <c:pt idx="7">
                   <c:v>9.100000000000001</c:v>
@@ -644,21 +677,22 @@
         </c:dLbls>
         <c:gapWidth val="75"/>
         <c:overlap val="100"/>
-        <c:axId val="-2128290504"/>
-        <c:axId val="2141645736"/>
+        <c:axId val="-373659200"/>
+        <c:axId val="-373657424"/>
       </c:barChart>
       <c:catAx>
-        <c:axId val="-2128290504"/>
+        <c:axId val="-373659200"/>
         <c:scaling>
           <c:orientation val="minMax"/>
         </c:scaling>
         <c:delete val="0"/>
         <c:axPos val="b"/>
         <c:majorGridlines/>
+        <c:numFmt formatCode="General" sourceLinked="0"/>
         <c:majorTickMark val="none"/>
         <c:minorTickMark val="none"/>
         <c:tickLblPos val="nextTo"/>
-        <c:crossAx val="2141645736"/>
+        <c:crossAx val="-373657424"/>
         <c:crosses val="autoZero"/>
         <c:auto val="1"/>
         <c:lblAlgn val="ctr"/>
@@ -666,7 +700,7 @@
         <c:noMultiLvlLbl val="0"/>
       </c:catAx>
       <c:valAx>
-        <c:axId val="2141645736"/>
+        <c:axId val="-373657424"/>
         <c:scaling>
           <c:orientation val="minMax"/>
         </c:scaling>
@@ -689,7 +723,6 @@
               </a:p>
             </c:rich>
           </c:tx>
-          <c:layout/>
           <c:overlay val="0"/>
         </c:title>
         <c:numFmt formatCode="General" sourceLinked="1"/>
@@ -701,14 +734,13 @@
             <a:noFill/>
           </a:ln>
         </c:spPr>
-        <c:crossAx val="-2128290504"/>
+        <c:crossAx val="-373659200"/>
         <c:crosses val="autoZero"/>
         <c:crossBetween val="between"/>
       </c:valAx>
     </c:plotArea>
     <c:legend>
       <c:legendPos val="b"/>
-      <c:layout/>
       <c:overlay val="0"/>
     </c:legend>
     <c:plotVisOnly val="1"/>
@@ -846,21 +878,22 @@
         </c:dLbls>
         <c:gapWidth val="55"/>
         <c:overlap val="100"/>
-        <c:axId val="2146680088"/>
-        <c:axId val="2141767800"/>
+        <c:axId val="-404096864"/>
+        <c:axId val="-404129920"/>
       </c:barChart>
       <c:catAx>
-        <c:axId val="2146680088"/>
+        <c:axId val="-404096864"/>
         <c:scaling>
           <c:orientation val="minMax"/>
         </c:scaling>
         <c:delete val="0"/>
         <c:axPos val="b"/>
         <c:minorGridlines/>
+        <c:numFmt formatCode="General" sourceLinked="0"/>
         <c:majorTickMark val="none"/>
         <c:minorTickMark val="none"/>
         <c:tickLblPos val="nextTo"/>
-        <c:crossAx val="2141767800"/>
+        <c:crossAx val="-404129920"/>
         <c:crosses val="autoZero"/>
         <c:auto val="1"/>
         <c:lblAlgn val="ctr"/>
@@ -868,7 +901,7 @@
         <c:noMultiLvlLbl val="0"/>
       </c:catAx>
       <c:valAx>
-        <c:axId val="2141767800"/>
+        <c:axId val="-404129920"/>
         <c:scaling>
           <c:orientation val="minMax"/>
         </c:scaling>
@@ -895,14 +928,13 @@
               </a:p>
             </c:rich>
           </c:tx>
-          <c:layout/>
           <c:overlay val="0"/>
         </c:title>
         <c:numFmt formatCode="General" sourceLinked="1"/>
         <c:majorTickMark val="none"/>
         <c:minorTickMark val="none"/>
         <c:tickLblPos val="nextTo"/>
-        <c:crossAx val="2146680088"/>
+        <c:crossAx val="-404096864"/>
         <c:crosses val="autoZero"/>
         <c:crossBetween val="between"/>
         <c:majorUnit val="100.0"/>
@@ -1088,21 +1120,22 @@
         </c:dLbls>
         <c:gapWidth val="75"/>
         <c:overlap val="100"/>
-        <c:axId val="-2128149864"/>
-        <c:axId val="2143747672"/>
+        <c:axId val="-449340848"/>
+        <c:axId val="-449339488"/>
       </c:barChart>
       <c:catAx>
-        <c:axId val="-2128149864"/>
+        <c:axId val="-449340848"/>
         <c:scaling>
           <c:orientation val="minMax"/>
         </c:scaling>
         <c:delete val="0"/>
         <c:axPos val="b"/>
         <c:minorGridlines/>
+        <c:numFmt formatCode="General" sourceLinked="0"/>
         <c:majorTickMark val="none"/>
         <c:minorTickMark val="none"/>
         <c:tickLblPos val="nextTo"/>
-        <c:crossAx val="2143747672"/>
+        <c:crossAx val="-449339488"/>
         <c:crosses val="autoZero"/>
         <c:auto val="1"/>
         <c:lblAlgn val="ctr"/>
@@ -1110,7 +1143,7 @@
         <c:noMultiLvlLbl val="0"/>
       </c:catAx>
       <c:valAx>
-        <c:axId val="2143747672"/>
+        <c:axId val="-449339488"/>
         <c:scaling>
           <c:orientation val="minMax"/>
         </c:scaling>
@@ -1137,14 +1170,13 @@
               </a:p>
             </c:rich>
           </c:tx>
-          <c:layout/>
           <c:overlay val="0"/>
         </c:title>
         <c:numFmt formatCode="General" sourceLinked="1"/>
         <c:majorTickMark val="out"/>
         <c:minorTickMark val="none"/>
         <c:tickLblPos val="nextTo"/>
-        <c:crossAx val="-2128149864"/>
+        <c:crossAx val="-449340848"/>
         <c:crosses val="autoZero"/>
         <c:crossBetween val="between"/>
       </c:valAx>
@@ -1217,7 +1249,6 @@
           </a:p>
         </c:rich>
       </c:tx>
-      <c:layout/>
       <c:overlay val="0"/>
     </c:title>
     <c:autoTitleDeleted val="0"/>
@@ -1350,11 +1381,11 @@
           <c:showPercent val="0"/>
           <c:showBubbleSize val="0"/>
         </c:dLbls>
-        <c:axId val="2144674088"/>
-        <c:axId val="2145111432"/>
+        <c:axId val="-408000784"/>
+        <c:axId val="-299826896"/>
       </c:scatterChart>
       <c:valAx>
-        <c:axId val="2144674088"/>
+        <c:axId val="-408000784"/>
         <c:scaling>
           <c:orientation val="minMax"/>
         </c:scaling>
@@ -1365,12 +1396,12 @@
         <c:majorTickMark val="none"/>
         <c:minorTickMark val="none"/>
         <c:tickLblPos val="nextTo"/>
-        <c:crossAx val="2145111432"/>
+        <c:crossAx val="-299826896"/>
         <c:crosses val="autoZero"/>
         <c:crossBetween val="midCat"/>
       </c:valAx>
       <c:valAx>
-        <c:axId val="2145111432"/>
+        <c:axId val="-299826896"/>
         <c:scaling>
           <c:orientation val="minMax"/>
         </c:scaling>
@@ -1393,21 +1424,19 @@
               </a:p>
             </c:rich>
           </c:tx>
-          <c:layout/>
           <c:overlay val="0"/>
         </c:title>
         <c:numFmt formatCode="General" sourceLinked="1"/>
         <c:majorTickMark val="none"/>
         <c:minorTickMark val="none"/>
         <c:tickLblPos val="nextTo"/>
-        <c:crossAx val="2144674088"/>
+        <c:crossAx val="-408000784"/>
         <c:crosses val="autoZero"/>
         <c:crossBetween val="midCat"/>
       </c:valAx>
     </c:plotArea>
     <c:legend>
       <c:legendPos val="b"/>
-      <c:layout/>
       <c:overlay val="0"/>
     </c:legend>
     <c:plotVisOnly val="1"/>
@@ -1551,7 +1580,6 @@
           </a:p>
         </c:rich>
       </c:tx>
-      <c:layout/>
       <c:overlay val="0"/>
     </c:title>
     <c:autoTitleDeleted val="0"/>
@@ -4742,10 +4770,10 @@
                   <c:v>288.6168476275</c:v>
                 </c:pt>
                 <c:pt idx="25">
-                  <c:v>292.0021509324992</c:v>
+                  <c:v>292.0021509324991</c:v>
                 </c:pt>
                 <c:pt idx="26">
-                  <c:v>308.2259689049992</c:v>
+                  <c:v>308.2259689049991</c:v>
                 </c:pt>
                 <c:pt idx="27">
                   <c:v>318.44051491375</c:v>
@@ -4754,7 +4782,7 @@
                   <c:v>326.14832326</c:v>
                 </c:pt>
                 <c:pt idx="29">
-                  <c:v>336.7480332224992</c:v>
+                  <c:v>336.7480332224991</c:v>
                 </c:pt>
                 <c:pt idx="30">
                   <c:v>338.79052002875</c:v>
@@ -4775,7 +4803,7 @@
                   <c:v>380.33933029875</c:v>
                 </c:pt>
                 <c:pt idx="36">
-                  <c:v>402.2973571124992</c:v>
+                  <c:v>402.2973571124991</c:v>
                 </c:pt>
                 <c:pt idx="37">
                   <c:v>415.9621763399999</c:v>
@@ -4784,10 +4812,10 @@
                   <c:v>425.45318400375</c:v>
                 </c:pt>
                 <c:pt idx="39">
-                  <c:v>438.3314737124992</c:v>
+                  <c:v>438.3314737124991</c:v>
                 </c:pt>
                 <c:pt idx="40">
-                  <c:v>437.7211425924992</c:v>
+                  <c:v>437.7211425924991</c:v>
                 </c:pt>
                 <c:pt idx="41">
                   <c:v>458.38067205125</c:v>
@@ -4799,7 +4827,7 @@
                   <c:v>466.142778685</c:v>
                 </c:pt>
                 <c:pt idx="44">
-                  <c:v>476.493112344999</c:v>
+                  <c:v>476.4931123449988</c:v>
                 </c:pt>
                 <c:pt idx="45">
                   <c:v>487.442010295</c:v>
@@ -4808,7 +4836,7 @@
                   <c:v>499.7899287225</c:v>
                 </c:pt>
                 <c:pt idx="47">
-                  <c:v>510.4934589299992</c:v>
+                  <c:v>510.4934589299991</c:v>
                 </c:pt>
                 <c:pt idx="48">
                   <c:v>512.73460093125</c:v>
@@ -4820,7 +4848,7 @@
                   <c:v>523.8098270424994</c:v>
                 </c:pt>
                 <c:pt idx="51">
-                  <c:v>541.5176928924981</c:v>
+                  <c:v>541.5176928924978</c:v>
                 </c:pt>
                 <c:pt idx="52">
                   <c:v>483.45860080125</c:v>
@@ -4853,13 +4881,13 @@
                   <c:v>623.00168441625</c:v>
                 </c:pt>
                 <c:pt idx="62">
-                  <c:v>634.6652337337491</c:v>
+                  <c:v>634.665233733749</c:v>
                 </c:pt>
                 <c:pt idx="63">
                   <c:v>638.3256717625</c:v>
                 </c:pt>
                 <c:pt idx="64">
-                  <c:v>650.8537248312491</c:v>
+                  <c:v>650.853724831249</c:v>
                 </c:pt>
                 <c:pt idx="65">
                   <c:v>648.07693969375</c:v>
@@ -4871,7 +4899,7 @@
                   <c:v>680.48164490875</c:v>
                 </c:pt>
                 <c:pt idx="68">
-                  <c:v>691.3559564374991</c:v>
+                  <c:v>691.355956437499</c:v>
                 </c:pt>
                 <c:pt idx="69">
                   <c:v>697.40349704</c:v>
@@ -4883,10 +4911,10 @@
                   <c:v>713.0100064024994</c:v>
                 </c:pt>
                 <c:pt idx="72">
-                  <c:v>724.8582902037491</c:v>
+                  <c:v>724.858290203749</c:v>
                 </c:pt>
                 <c:pt idx="73">
-                  <c:v>729.1472986912482</c:v>
+                  <c:v>729.147298691248</c:v>
                 </c:pt>
                 <c:pt idx="74">
                   <c:v>736.7599810837494</c:v>
@@ -4904,7 +4932,7 @@
                   <c:v>774.2024759</c:v>
                 </c:pt>
                 <c:pt idx="79">
-                  <c:v>761.4273107224991</c:v>
+                  <c:v>761.427310722499</c:v>
                 </c:pt>
                 <c:pt idx="80">
                   <c:v>782.99542730625</c:v>
@@ -4925,7 +4953,7 @@
                   <c:v>797.70113663125</c:v>
                 </c:pt>
                 <c:pt idx="86">
-                  <c:v>820.8046621699991</c:v>
+                  <c:v>820.804662169999</c:v>
                 </c:pt>
                 <c:pt idx="87">
                   <c:v>832.0081082975</c:v>
@@ -4940,13 +4968,13 @@
                   <c:v>866.15324402</c:v>
                 </c:pt>
                 <c:pt idx="91">
-                  <c:v>876.1560140537491</c:v>
+                  <c:v>876.156014053749</c:v>
                 </c:pt>
                 <c:pt idx="92">
                   <c:v>879.68226255</c:v>
                 </c:pt>
                 <c:pt idx="93">
-                  <c:v>880.132259534999</c:v>
+                  <c:v>880.1322595349989</c:v>
                 </c:pt>
                 <c:pt idx="94">
                   <c:v>895.89248384875</c:v>
@@ -4973,19 +5001,19 @@
                   <c:v>939.77576029</c:v>
                 </c:pt>
                 <c:pt idx="102">
-                  <c:v>958.3402068662491</c:v>
+                  <c:v>958.340206866249</c:v>
                 </c:pt>
                 <c:pt idx="103">
                   <c:v>955.24599053875</c:v>
                 </c:pt>
                 <c:pt idx="104">
-                  <c:v>987.0425750949987</c:v>
+                  <c:v>987.0425750949985</c:v>
                 </c:pt>
                 <c:pt idx="105">
                   <c:v>968.38895250875</c:v>
                 </c:pt>
                 <c:pt idx="106">
-                  <c:v>990.860561471249</c:v>
+                  <c:v>990.8605614712488</c:v>
                 </c:pt>
                 <c:pt idx="107">
                   <c:v>961.84854465625</c:v>
@@ -5066,7 +5094,7 @@
                   <c:v>266.78415332625</c:v>
                 </c:pt>
                 <c:pt idx="133">
-                  <c:v>660.9866211862488</c:v>
+                  <c:v>660.9866211862486</c:v>
                 </c:pt>
                 <c:pt idx="134">
                   <c:v>312.51804213</c:v>
@@ -5075,7 +5103,7 @@
                   <c:v>534.11532005375</c:v>
                 </c:pt>
                 <c:pt idx="136">
-                  <c:v>320.9266299649992</c:v>
+                  <c:v>320.9266299649991</c:v>
                 </c:pt>
                 <c:pt idx="137">
                   <c:v>514.87649829</c:v>
@@ -10822,7 +10850,7 @@
                   <c:v>431.275</c:v>
                 </c:pt>
                 <c:pt idx="25">
-                  <c:v>442.9359999999992</c:v>
+                  <c:v>442.9359999999991</c:v>
                 </c:pt>
                 <c:pt idx="26">
                   <c:v>459.756</c:v>
@@ -10840,10 +10868,10 @@
                   <c:v>499.41</c:v>
                 </c:pt>
                 <c:pt idx="31">
-                  <c:v>512.831999999999</c:v>
+                  <c:v>512.8319999999989</c:v>
                 </c:pt>
                 <c:pt idx="32">
-                  <c:v>525.8549999999991</c:v>
+                  <c:v>525.854999999999</c:v>
                 </c:pt>
                 <c:pt idx="33">
                   <c:v>554.778</c:v>
@@ -10861,13 +10889,13 @@
                   <c:v>583.072</c:v>
                 </c:pt>
                 <c:pt idx="38">
-                  <c:v>612.4559999999991</c:v>
+                  <c:v>612.455999999999</c:v>
                 </c:pt>
                 <c:pt idx="39">
                   <c:v>573.88</c:v>
                 </c:pt>
                 <c:pt idx="40">
-                  <c:v>597.8209999999991</c:v>
+                  <c:v>597.820999999999</c:v>
                 </c:pt>
                 <c:pt idx="41">
                   <c:v>594.888</c:v>
@@ -10897,7 +10925,7 @@
                   <c:v>699.8</c:v>
                 </c:pt>
                 <c:pt idx="50">
-                  <c:v>692.4269999999991</c:v>
+                  <c:v>692.426999999999</c:v>
                 </c:pt>
                 <c:pt idx="51">
                   <c:v>687.752</c:v>
@@ -10930,7 +10958,7 @@
                   <c:v>787.266</c:v>
                 </c:pt>
                 <c:pt idx="61">
-                  <c:v>755.841999999999</c:v>
+                  <c:v>755.8419999999988</c:v>
                 </c:pt>
                 <c:pt idx="62">
                   <c:v>748.629</c:v>
@@ -10972,7 +11000,7 @@
                   <c:v>823.125</c:v>
                 </c:pt>
                 <c:pt idx="75">
-                  <c:v>827.3359999999991</c:v>
+                  <c:v>827.335999999999</c:v>
                 </c:pt>
                 <c:pt idx="76">
                   <c:v>818.202</c:v>
@@ -11011,7 +11039,7 @@
                   <c:v>895.4</c:v>
                 </c:pt>
                 <c:pt idx="88">
-                  <c:v>898.365999999999</c:v>
+                  <c:v>898.3659999999988</c:v>
                 </c:pt>
                 <c:pt idx="89">
                   <c:v>903.42</c:v>
@@ -11020,7 +11048,7 @@
                   <c:v>883.428</c:v>
                 </c:pt>
                 <c:pt idx="91">
-                  <c:v>932.0519999999991</c:v>
+                  <c:v>932.051999999999</c:v>
                 </c:pt>
                 <c:pt idx="92">
                   <c:v>958.737</c:v>
@@ -11083,7 +11111,7 @@
                   <c:v>936.88</c:v>
                 </c:pt>
                 <c:pt idx="112">
-                  <c:v>984.4559999999991</c:v>
+                  <c:v>984.455999999999</c:v>
                 </c:pt>
                 <c:pt idx="113">
                   <c:v>1019.844</c:v>
@@ -11146,7 +11174,7 @@
                   <c:v>1011.598</c:v>
                 </c:pt>
                 <c:pt idx="133">
-                  <c:v>953.8119999999991</c:v>
+                  <c:v>953.811999999999</c:v>
                 </c:pt>
                 <c:pt idx="134">
                   <c:v>987.255</c:v>
@@ -11185,7 +11213,7 @@
                   <c:v>1023.314</c:v>
                 </c:pt>
                 <c:pt idx="146">
-                  <c:v>993.8669999999987</c:v>
+                  <c:v>993.8669999999985</c:v>
                 </c:pt>
                 <c:pt idx="147">
                   <c:v>1017.352</c:v>
@@ -11287,7 +11315,7 @@
                   <c:v>1046.16</c:v>
                 </c:pt>
                 <c:pt idx="180">
-                  <c:v>994.956999999999</c:v>
+                  <c:v>994.9569999999989</c:v>
                 </c:pt>
                 <c:pt idx="181">
                   <c:v>912.184</c:v>
@@ -11338,7 +11366,7 @@
                   <c:v>1126.446</c:v>
                 </c:pt>
                 <c:pt idx="197">
-                  <c:v>995.345999999999</c:v>
+                  <c:v>995.3459999999989</c:v>
                 </c:pt>
                 <c:pt idx="198">
                   <c:v>1055.098</c:v>
@@ -11422,7 +11450,7 @@
                   <c:v>933.3</c:v>
                 </c:pt>
                 <c:pt idx="225">
-                  <c:v>945.3579999999984</c:v>
+                  <c:v>945.3579999999982</c:v>
                 </c:pt>
                 <c:pt idx="226">
                   <c:v>1106.171</c:v>
@@ -11614,7 +11642,7 @@
                   <c:v>1069.589</c:v>
                 </c:pt>
                 <c:pt idx="289">
-                  <c:v>995.8599999999991</c:v>
+                  <c:v>995.859999999999</c:v>
                 </c:pt>
                 <c:pt idx="290">
                   <c:v>1057.203</c:v>
@@ -11656,10 +11684,10 @@
                   <c:v>945.663</c:v>
                 </c:pt>
                 <c:pt idx="303">
-                  <c:v>944.831999999999</c:v>
+                  <c:v>944.8319999999989</c:v>
                 </c:pt>
                 <c:pt idx="304">
-                  <c:v>949.4649999999991</c:v>
+                  <c:v>949.464999999999</c:v>
                 </c:pt>
                 <c:pt idx="305">
                   <c:v>1050.804</c:v>
@@ -11770,7 +11798,7 @@
                   <c:v>881.485</c:v>
                 </c:pt>
                 <c:pt idx="341">
-                  <c:v>904.9319999999991</c:v>
+                  <c:v>904.931999999999</c:v>
                 </c:pt>
                 <c:pt idx="342">
                   <c:v>962.115</c:v>
@@ -11863,10 +11891,10 @@
                   <c:v>1036.02</c:v>
                 </c:pt>
                 <c:pt idx="372">
-                  <c:v>938.8409999999991</c:v>
+                  <c:v>938.840999999999</c:v>
                 </c:pt>
                 <c:pt idx="373">
-                  <c:v>872.5419999999991</c:v>
+                  <c:v>872.541999999999</c:v>
                 </c:pt>
                 <c:pt idx="374">
                   <c:v>1050.375</c:v>
@@ -11935,7 +11963,7 @@
                   <c:v>961.092</c:v>
                 </c:pt>
                 <c:pt idx="396">
-                  <c:v>957.9609999999991</c:v>
+                  <c:v>957.960999999999</c:v>
                 </c:pt>
                 <c:pt idx="397">
                   <c:v>1049.526</c:v>
@@ -11956,7 +11984,7 @@
                   <c:v>929.721</c:v>
                 </c:pt>
                 <c:pt idx="403">
-                  <c:v>972.831999999999</c:v>
+                  <c:v>972.8319999999989</c:v>
                 </c:pt>
                 <c:pt idx="404">
                   <c:v>954.99</c:v>
@@ -11992,10 +12020,10 @@
                   <c:v>1014.675</c:v>
                 </c:pt>
                 <c:pt idx="415">
-                  <c:v>963.4559999999991</c:v>
+                  <c:v>963.455999999999</c:v>
                 </c:pt>
                 <c:pt idx="416">
-                  <c:v>955.346999999999</c:v>
+                  <c:v>955.3469999999988</c:v>
                 </c:pt>
                 <c:pt idx="417">
                   <c:v>1030.788</c:v>
@@ -12022,7 +12050,7 @@
                   <c:v>911.625</c:v>
                 </c:pt>
                 <c:pt idx="425">
-                  <c:v>995.5619999999991</c:v>
+                  <c:v>995.561999999999</c:v>
                 </c:pt>
                 <c:pt idx="426">
                   <c:v>1029.497</c:v>
@@ -12070,16 +12098,16 @@
                   <c:v>1038.555</c:v>
                 </c:pt>
                 <c:pt idx="441">
-                  <c:v>892.8399999999991</c:v>
+                  <c:v>892.839999999999</c:v>
                 </c:pt>
                 <c:pt idx="442">
-                  <c:v>945.3619999999987</c:v>
+                  <c:v>945.3619999999985</c:v>
                 </c:pt>
                 <c:pt idx="443">
                   <c:v>907.98</c:v>
                 </c:pt>
                 <c:pt idx="444">
-                  <c:v>907.3549999999991</c:v>
+                  <c:v>907.354999999999</c:v>
                 </c:pt>
                 <c:pt idx="445">
                   <c:v>1011.082</c:v>
@@ -12136,7 +12164,7 @@
                   <c:v>862.106</c:v>
                 </c:pt>
                 <c:pt idx="463">
-                  <c:v>865.3599999999991</c:v>
+                  <c:v>865.359999999999</c:v>
                 </c:pt>
                 <c:pt idx="464">
                   <c:v>869.085</c:v>
@@ -12154,7 +12182,7 @@
                   <c:v>862.0219999999994</c:v>
                 </c:pt>
                 <c:pt idx="469">
-                  <c:v>997.3399999999991</c:v>
+                  <c:v>997.339999999999</c:v>
                 </c:pt>
                 <c:pt idx="470">
                   <c:v>1060.692</c:v>
@@ -12166,7 +12194,7 @@
                   <c:v>924.242</c:v>
                 </c:pt>
                 <c:pt idx="473">
-                  <c:v>885.4319999999991</c:v>
+                  <c:v>885.431999999999</c:v>
                 </c:pt>
                 <c:pt idx="474">
                   <c:v>998.4499999999994</c:v>
@@ -12202,7 +12230,7 @@
                   <c:v>855.54</c:v>
                 </c:pt>
                 <c:pt idx="485">
-                  <c:v>970.5419999999991</c:v>
+                  <c:v>970.541999999999</c:v>
                 </c:pt>
                 <c:pt idx="486">
                   <c:v>902.898</c:v>
@@ -12211,13 +12239,13 @@
                   <c:v>915.0</c:v>
                 </c:pt>
                 <c:pt idx="488">
-                  <c:v>891.446999999999</c:v>
+                  <c:v>891.4469999999989</c:v>
                 </c:pt>
                 <c:pt idx="489">
                   <c:v>1005.97</c:v>
                 </c:pt>
                 <c:pt idx="490">
-                  <c:v>847.956999999999</c:v>
+                  <c:v>847.9569999999989</c:v>
                 </c:pt>
                 <c:pt idx="491">
                   <c:v>943.164</c:v>
@@ -12262,13 +12290,13 @@
                   <c:v>809.01</c:v>
                 </c:pt>
                 <c:pt idx="505">
-                  <c:v>916.365999999999</c:v>
+                  <c:v>916.3659999999988</c:v>
                 </c:pt>
                 <c:pt idx="506">
                   <c:v>883.701</c:v>
                 </c:pt>
                 <c:pt idx="507">
-                  <c:v>860.5519999999991</c:v>
+                  <c:v>860.551999999999</c:v>
                 </c:pt>
                 <c:pt idx="508">
                   <c:v>1014.946</c:v>
@@ -12298,10 +12326,10 @@
                   <c:v>1031.932</c:v>
                 </c:pt>
                 <c:pt idx="517">
-                  <c:v>876.4559999999991</c:v>
+                  <c:v>876.455999999999</c:v>
                 </c:pt>
                 <c:pt idx="518">
-                  <c:v>910.3259999999991</c:v>
+                  <c:v>910.325999999999</c:v>
                 </c:pt>
                 <c:pt idx="519">
                   <c:v>891.8</c:v>
@@ -12361,7 +12389,7 @@
                   <c:v>912.448</c:v>
                 </c:pt>
                 <c:pt idx="538">
-                  <c:v>896.3569999999987</c:v>
+                  <c:v>896.3569999999985</c:v>
                 </c:pt>
                 <c:pt idx="539">
                   <c:v>827.8199999999994</c:v>
@@ -12370,7 +12398,7 @@
                   <c:v>991.653</c:v>
                 </c:pt>
                 <c:pt idx="541">
-                  <c:v>933.865999999999</c:v>
+                  <c:v>933.8659999999988</c:v>
                 </c:pt>
                 <c:pt idx="542">
                   <c:v>992.0609999999994</c:v>
@@ -12391,13 +12419,13 @@
                   <c:v>986.4</c:v>
                 </c:pt>
                 <c:pt idx="548">
-                  <c:v>956.3579999999984</c:v>
+                  <c:v>956.3579999999982</c:v>
                 </c:pt>
                 <c:pt idx="549">
                   <c:v>881.1</c:v>
                 </c:pt>
                 <c:pt idx="550">
-                  <c:v>885.456999999999</c:v>
+                  <c:v>885.4569999999989</c:v>
                 </c:pt>
                 <c:pt idx="551">
                   <c:v>871.0559999999994</c:v>
@@ -12421,7 +12449,7 @@
                   <c:v>916.794</c:v>
                 </c:pt>
                 <c:pt idx="558">
-                  <c:v>856.946999999999</c:v>
+                  <c:v>856.9469999999989</c:v>
                 </c:pt>
                 <c:pt idx="559">
                   <c:v>1013.04</c:v>
@@ -12436,7 +12464,7 @@
                   <c:v>1014.526</c:v>
                 </c:pt>
                 <c:pt idx="563">
-                  <c:v>954.8519999999988</c:v>
+                  <c:v>954.8519999999986</c:v>
                 </c:pt>
                 <c:pt idx="564">
                   <c:v>871.795</c:v>
@@ -12445,7 +12473,7 @@
                   <c:v>876.168</c:v>
                 </c:pt>
                 <c:pt idx="566">
-                  <c:v>930.446999999999</c:v>
+                  <c:v>930.4469999999989</c:v>
                 </c:pt>
                 <c:pt idx="567">
                   <c:v>1011.608</c:v>
@@ -12547,7 +12575,7 @@
                   <c:v>966.6</c:v>
                 </c:pt>
                 <c:pt idx="600">
-                  <c:v>805.3399999999991</c:v>
+                  <c:v>805.339999999999</c:v>
                 </c:pt>
                 <c:pt idx="601">
                   <c:v>839.79</c:v>
@@ -12577,13 +12605,13 @@
                   <c:v>877.18</c:v>
                 </c:pt>
                 <c:pt idx="610">
-                  <c:v>935.4409999999991</c:v>
+                  <c:v>935.440999999999</c:v>
                 </c:pt>
                 <c:pt idx="611">
                   <c:v>861.084</c:v>
                 </c:pt>
                 <c:pt idx="612">
-                  <c:v>833.0669999999991</c:v>
+                  <c:v>833.066999999999</c:v>
                 </c:pt>
                 <c:pt idx="613">
                   <c:v>975.0319999999994</c:v>
@@ -12601,7 +12629,7 @@
                   <c:v>937.506</c:v>
                 </c:pt>
                 <c:pt idx="618">
-                  <c:v>956.3549999999991</c:v>
+                  <c:v>956.354999999999</c:v>
                 </c:pt>
                 <c:pt idx="619">
                   <c:v>956.04</c:v>
@@ -12646,7 +12674,7 @@
                   <c:v>977.985</c:v>
                 </c:pt>
                 <c:pt idx="633">
-                  <c:v>867.3119999999991</c:v>
+                  <c:v>867.311999999999</c:v>
                 </c:pt>
                 <c:pt idx="634">
                   <c:v>977.9</c:v>
@@ -12694,7 +12722,7 @@
                   <c:v>828.773</c:v>
                 </c:pt>
                 <c:pt idx="649">
-                  <c:v>948.3499999999991</c:v>
+                  <c:v>948.349999999999</c:v>
                 </c:pt>
                 <c:pt idx="650">
                   <c:v>980.4059999999994</c:v>
@@ -12715,7 +12743,7 @@
                   <c:v>856.08</c:v>
                 </c:pt>
                 <c:pt idx="656">
-                  <c:v>928.3409999999991</c:v>
+                  <c:v>928.340999999999</c:v>
                 </c:pt>
                 <c:pt idx="657">
                   <c:v>918.568</c:v>
@@ -12742,7 +12770,7 @@
                   <c:v>876.47</c:v>
                 </c:pt>
                 <c:pt idx="665">
-                  <c:v>815.8499999999991</c:v>
+                  <c:v>815.849999999999</c:v>
                 </c:pt>
                 <c:pt idx="666">
                   <c:v>877.772</c:v>
@@ -12760,7 +12788,7 @@
                   <c:v>1017.907</c:v>
                 </c:pt>
                 <c:pt idx="671">
-                  <c:v>894.4319999999991</c:v>
+                  <c:v>894.431999999999</c:v>
                 </c:pt>
                 <c:pt idx="672">
                   <c:v>943.5459999999994</c:v>
@@ -12778,7 +12806,7 @@
                   <c:v>829.3249999999994</c:v>
                 </c:pt>
                 <c:pt idx="677">
-                  <c:v>907.841999999999</c:v>
+                  <c:v>907.8419999999988</c:v>
                 </c:pt>
                 <c:pt idx="678">
                   <c:v>876.589</c:v>
@@ -12787,7 +12815,7 @@
                   <c:v>809.88</c:v>
                 </c:pt>
                 <c:pt idx="680">
-                  <c:v>930.9269999999991</c:v>
+                  <c:v>930.926999999999</c:v>
                 </c:pt>
                 <c:pt idx="681">
                   <c:v>893.42</c:v>
@@ -12805,7 +12833,7 @@
                   <c:v>847.21</c:v>
                 </c:pt>
                 <c:pt idx="686">
-                  <c:v>886.9169999999991</c:v>
+                  <c:v>886.916999999999</c:v>
                 </c:pt>
                 <c:pt idx="687">
                   <c:v>862.064</c:v>
@@ -12817,7 +12845,7 @@
                   <c:v>874.23</c:v>
                 </c:pt>
                 <c:pt idx="690">
-                  <c:v>902.4459999999991</c:v>
+                  <c:v>902.445999999999</c:v>
                 </c:pt>
                 <c:pt idx="691">
                   <c:v>866.384</c:v>
@@ -12862,7 +12890,7 @@
                   <c:v>865.035</c:v>
                 </c:pt>
                 <c:pt idx="705">
-                  <c:v>933.331999999999</c:v>
+                  <c:v>933.3319999999989</c:v>
                 </c:pt>
                 <c:pt idx="706">
                   <c:v>897.183</c:v>
@@ -12922,7 +12950,7 @@
                   <c:v>862.025</c:v>
                 </c:pt>
                 <c:pt idx="725">
-                  <c:v>792.0659999999991</c:v>
+                  <c:v>792.065999999999</c:v>
                 </c:pt>
                 <c:pt idx="726">
                   <c:v>924.0170000000001</c:v>
@@ -12982,7 +13010,7 @@
                   <c:v>797.895</c:v>
                 </c:pt>
                 <c:pt idx="745">
-                  <c:v>878.0419999999991</c:v>
+                  <c:v>878.041999999999</c:v>
                 </c:pt>
                 <c:pt idx="746">
                   <c:v>797.049</c:v>
@@ -13081,7 +13109,7 @@
                   <c:v>820.0119999999994</c:v>
                 </c:pt>
                 <c:pt idx="778">
-                  <c:v>835.8669999999987</c:v>
+                  <c:v>835.8669999999985</c:v>
                 </c:pt>
                 <c:pt idx="779">
                   <c:v>905.58</c:v>
@@ -13096,7 +13124,7 @@
                   <c:v>777.519</c:v>
                 </c:pt>
                 <c:pt idx="783">
-                  <c:v>884.3519999999988</c:v>
+                  <c:v>884.3519999999986</c:v>
                 </c:pt>
                 <c:pt idx="784">
                   <c:v>868.21</c:v>
@@ -13108,7 +13136,7 @@
                   <c:v>778.343</c:v>
                 </c:pt>
                 <c:pt idx="787">
-                  <c:v>805.3359999999991</c:v>
+                  <c:v>805.335999999999</c:v>
                 </c:pt>
                 <c:pt idx="788">
                   <c:v>774.009</c:v>
@@ -13126,7 +13154,7 @@
                   <c:v>790.621</c:v>
                 </c:pt>
                 <c:pt idx="793">
-                  <c:v>867.841999999999</c:v>
+                  <c:v>867.8419999999988</c:v>
                 </c:pt>
                 <c:pt idx="794">
                   <c:v>830.775</c:v>
@@ -13162,10 +13190,10 @@
                   <c:v>788.9</c:v>
                 </c:pt>
                 <c:pt idx="805">
-                  <c:v>758.4459999999991</c:v>
+                  <c:v>758.445999999999</c:v>
                 </c:pt>
                 <c:pt idx="806">
-                  <c:v>791.6669999999991</c:v>
+                  <c:v>791.666999999999</c:v>
                 </c:pt>
                 <c:pt idx="807">
                   <c:v>792.648</c:v>
@@ -13174,7 +13202,7 @@
                   <c:v>837.3150000000001</c:v>
                 </c:pt>
                 <c:pt idx="809">
-                  <c:v>814.8599999999991</c:v>
+                  <c:v>814.859999999999</c:v>
                 </c:pt>
                 <c:pt idx="810">
                   <c:v>780.182</c:v>
@@ -13183,7 +13211,7 @@
                   <c:v>847.728</c:v>
                 </c:pt>
                 <c:pt idx="812">
-                  <c:v>795.9269999999991</c:v>
+                  <c:v>795.926999999999</c:v>
                 </c:pt>
                 <c:pt idx="813">
                   <c:v>754.578</c:v>
@@ -13216,7 +13244,7 @@
                   <c:v>805.717</c:v>
                 </c:pt>
                 <c:pt idx="823">
-                  <c:v>777.855999999999</c:v>
+                  <c:v>777.8559999999989</c:v>
                 </c:pt>
                 <c:pt idx="824">
                   <c:v>759.0</c:v>
@@ -13249,10 +13277,10 @@
                   <c:v>798.138</c:v>
                 </c:pt>
                 <c:pt idx="834">
-                  <c:v>759.8499999999991</c:v>
+                  <c:v>759.849999999999</c:v>
                 </c:pt>
                 <c:pt idx="835">
-                  <c:v>785.8399999999991</c:v>
+                  <c:v>785.839999999999</c:v>
                 </c:pt>
                 <c:pt idx="836">
                   <c:v>863.784</c:v>
@@ -13270,7 +13298,7 @@
                   <c:v>818.293</c:v>
                 </c:pt>
                 <c:pt idx="841">
-                  <c:v>884.9419999999991</c:v>
+                  <c:v>884.941999999999</c:v>
                 </c:pt>
                 <c:pt idx="842">
                   <c:v>859.0170000000001</c:v>
@@ -13282,7 +13310,7 @@
                   <c:v>820.495</c:v>
                 </c:pt>
                 <c:pt idx="845">
-                  <c:v>780.8579999999984</c:v>
+                  <c:v>780.8579999999982</c:v>
                 </c:pt>
                 <c:pt idx="846">
                   <c:v>843.612</c:v>
@@ -13291,7 +13319,7 @@
                   <c:v>742.0</c:v>
                 </c:pt>
                 <c:pt idx="848">
-                  <c:v>801.4559999999991</c:v>
+                  <c:v>801.455999999999</c:v>
                 </c:pt>
                 <c:pt idx="849">
                   <c:v>809.2</c:v>
@@ -13330,7 +13358,7 @@
                   <c:v>912.66</c:v>
                 </c:pt>
                 <c:pt idx="861">
-                  <c:v>890.4459999999991</c:v>
+                  <c:v>890.445999999999</c:v>
                 </c:pt>
                 <c:pt idx="862">
                   <c:v>825.028</c:v>
@@ -13339,7 +13367,7 @@
                   <c:v>794.88</c:v>
                 </c:pt>
                 <c:pt idx="864">
-                  <c:v>833.8599999999991</c:v>
+                  <c:v>833.859999999999</c:v>
                 </c:pt>
                 <c:pt idx="865">
                   <c:v>852.144</c:v>
@@ -13372,7 +13400,7 @@
                   <c:v>777.0</c:v>
                 </c:pt>
                 <c:pt idx="875">
-                  <c:v>812.0519999999991</c:v>
+                  <c:v>812.051999999999</c:v>
                 </c:pt>
                 <c:pt idx="876">
                   <c:v>858.583</c:v>
@@ -13390,7 +13418,7 @@
                   <c:v>804.353</c:v>
                 </c:pt>
                 <c:pt idx="881">
-                  <c:v>825.5519999999991</c:v>
+                  <c:v>825.551999999999</c:v>
                 </c:pt>
                 <c:pt idx="882">
                   <c:v>775.274</c:v>
@@ -13447,7 +13475,7 @@
                   <c:v>818.1</c:v>
                 </c:pt>
                 <c:pt idx="900">
-                  <c:v>852.345999999999</c:v>
+                  <c:v>852.3459999999989</c:v>
                 </c:pt>
                 <c:pt idx="901">
                   <c:v>808.192</c:v>
@@ -13462,10 +13490,10 @@
                   <c:v>770.155</c:v>
                 </c:pt>
                 <c:pt idx="905">
-                  <c:v>794.5619999999991</c:v>
+                  <c:v>794.561999999999</c:v>
                 </c:pt>
                 <c:pt idx="906">
-                  <c:v>785.461999999999</c:v>
+                  <c:v>785.4619999999989</c:v>
                 </c:pt>
                 <c:pt idx="907">
                   <c:v>759.996</c:v>
@@ -13495,7 +13523,7 @@
                   <c:v>845.468</c:v>
                 </c:pt>
                 <c:pt idx="916">
-                  <c:v>763.860999999999</c:v>
+                  <c:v>763.8609999999989</c:v>
                 </c:pt>
                 <c:pt idx="917">
                   <c:v>799.578</c:v>
@@ -13519,7 +13547,7 @@
                   <c:v>809.424</c:v>
                 </c:pt>
                 <c:pt idx="924">
-                  <c:v>815.8499999999991</c:v>
+                  <c:v>815.849999999999</c:v>
                 </c:pt>
                 <c:pt idx="925">
                   <c:v>809.324</c:v>
@@ -13555,10 +13583,10 @@
                   <c:v>796.5359999999994</c:v>
                 </c:pt>
                 <c:pt idx="936">
-                  <c:v>773.961999999999</c:v>
+                  <c:v>773.9619999999989</c:v>
                 </c:pt>
                 <c:pt idx="937">
-                  <c:v>810.4319999999991</c:v>
+                  <c:v>810.431999999999</c:v>
                 </c:pt>
                 <c:pt idx="938">
                   <c:v>800.028</c:v>
@@ -13567,7 +13595,7 @@
                   <c:v>799.0</c:v>
                 </c:pt>
                 <c:pt idx="940">
-                  <c:v>767.855999999999</c:v>
+                  <c:v>767.8559999999989</c:v>
                 </c:pt>
                 <c:pt idx="941">
                   <c:v>747.948</c:v>
@@ -13588,7 +13616,7 @@
                   <c:v>751.918</c:v>
                 </c:pt>
                 <c:pt idx="947">
-                  <c:v>750.8159999999991</c:v>
+                  <c:v>750.815999999999</c:v>
                 </c:pt>
                 <c:pt idx="948">
                   <c:v>806.65</c:v>
@@ -13615,7 +13643,7 @@
                   <c:v>740.9</c:v>
                 </c:pt>
                 <c:pt idx="956">
-                  <c:v>747.4169999999991</c:v>
+                  <c:v>747.416999999999</c:v>
                 </c:pt>
                 <c:pt idx="957">
                   <c:v>735.744</c:v>
@@ -13633,7 +13661,7 @@
                   <c:v>798.4599999999994</c:v>
                 </c:pt>
                 <c:pt idx="962">
-                  <c:v>753.0659999999991</c:v>
+                  <c:v>753.065999999999</c:v>
                 </c:pt>
                 <c:pt idx="963">
                   <c:v>716.252</c:v>
@@ -13651,7 +13679,7 @@
                   <c:v>788.92</c:v>
                 </c:pt>
                 <c:pt idx="968">
-                  <c:v>719.966999999999</c:v>
+                  <c:v>719.9669999999988</c:v>
                 </c:pt>
                 <c:pt idx="969">
                   <c:v>738.17</c:v>
@@ -13675,7 +13703,7 @@
                   <c:v>744.688</c:v>
                 </c:pt>
                 <c:pt idx="976">
-                  <c:v>792.346999999999</c:v>
+                  <c:v>792.3469999999988</c:v>
                 </c:pt>
                 <c:pt idx="977">
                   <c:v>775.554</c:v>
@@ -13693,7 +13721,7 @@
                   <c:v>811.1319999999994</c:v>
                 </c:pt>
                 <c:pt idx="982">
-                  <c:v>753.9609999999991</c:v>
+                  <c:v>753.960999999999</c:v>
                 </c:pt>
                 <c:pt idx="983">
                   <c:v>789.168</c:v>
@@ -13720,13 +13748,13 @@
                   <c:v>755.1420000000001</c:v>
                 </c:pt>
                 <c:pt idx="991">
-                  <c:v>811.4559999999991</c:v>
+                  <c:v>811.455999999999</c:v>
                 </c:pt>
                 <c:pt idx="992">
-                  <c:v>727.8689999999991</c:v>
+                  <c:v>727.868999999999</c:v>
                 </c:pt>
                 <c:pt idx="993">
-                  <c:v>818.0619999999991</c:v>
+                  <c:v>818.061999999999</c:v>
                 </c:pt>
                 <c:pt idx="994">
                   <c:v>766.15</c:v>
@@ -13759,11 +13787,11 @@
           <c:showPercent val="0"/>
           <c:showBubbleSize val="0"/>
         </c:dLbls>
-        <c:axId val="2143926808"/>
-        <c:axId val="2146945944"/>
+        <c:axId val="-408023392"/>
+        <c:axId val="-408451200"/>
       </c:scatterChart>
       <c:valAx>
-        <c:axId val="2143926808"/>
+        <c:axId val="-408023392"/>
         <c:scaling>
           <c:orientation val="minMax"/>
         </c:scaling>
@@ -13825,20 +13853,19 @@
               </a:p>
             </c:rich>
           </c:tx>
-          <c:layout/>
           <c:overlay val="0"/>
         </c:title>
         <c:numFmt formatCode="General" sourceLinked="1"/>
         <c:majorTickMark val="none"/>
         <c:minorTickMark val="none"/>
         <c:tickLblPos val="nextTo"/>
-        <c:crossAx val="2146945944"/>
+        <c:crossAx val="-408451200"/>
         <c:crosses val="autoZero"/>
         <c:crossBetween val="midCat"/>
         <c:majorUnit val="100.0"/>
       </c:valAx>
       <c:valAx>
-        <c:axId val="2146945944"/>
+        <c:axId val="-408451200"/>
         <c:scaling>
           <c:orientation val="minMax"/>
         </c:scaling>
@@ -13873,14 +13900,13 @@
               </a:p>
             </c:rich>
           </c:tx>
-          <c:layout/>
           <c:overlay val="0"/>
         </c:title>
         <c:numFmt formatCode="General" sourceLinked="1"/>
         <c:majorTickMark val="none"/>
         <c:minorTickMark val="none"/>
         <c:tickLblPos val="nextTo"/>
-        <c:crossAx val="2143926808"/>
+        <c:crossAx val="-408023392"/>
         <c:crosses val="autoZero"/>
         <c:crossBetween val="midCat"/>
       </c:valAx>
@@ -13925,7 +13951,6 @@
           </a:p>
         </c:txPr>
       </c:legendEntry>
-      <c:layout/>
       <c:overlay val="0"/>
     </c:legend>
     <c:plotVisOnly val="1"/>
@@ -13977,7 +14002,6 @@
           </a:p>
         </c:rich>
       </c:tx>
-      <c:layout/>
       <c:overlay val="0"/>
     </c:title>
     <c:autoTitleDeleted val="0"/>
@@ -14074,11 +14098,11 @@
           <c:showPercent val="0"/>
           <c:showBubbleSize val="0"/>
         </c:dLbls>
-        <c:axId val="-2130533656"/>
-        <c:axId val="-2130528152"/>
+        <c:axId val="-408214432"/>
+        <c:axId val="-408212240"/>
       </c:scatterChart>
       <c:valAx>
-        <c:axId val="-2130533656"/>
+        <c:axId val="-408214432"/>
         <c:scaling>
           <c:orientation val="minMax"/>
         </c:scaling>
@@ -14101,19 +14125,18 @@
               </a:p>
             </c:rich>
           </c:tx>
-          <c:layout/>
           <c:overlay val="0"/>
         </c:title>
         <c:numFmt formatCode="General" sourceLinked="1"/>
         <c:majorTickMark val="out"/>
         <c:minorTickMark val="none"/>
         <c:tickLblPos val="nextTo"/>
-        <c:crossAx val="-2130528152"/>
+        <c:crossAx val="-408212240"/>
         <c:crosses val="autoZero"/>
         <c:crossBetween val="midCat"/>
       </c:valAx>
       <c:valAx>
-        <c:axId val="-2130528152"/>
+        <c:axId val="-408212240"/>
         <c:scaling>
           <c:orientation val="minMax"/>
         </c:scaling>
@@ -14136,14 +14159,13 @@
               </a:p>
             </c:rich>
           </c:tx>
-          <c:layout/>
           <c:overlay val="0"/>
         </c:title>
         <c:numFmt formatCode="General" sourceLinked="1"/>
         <c:majorTickMark val="out"/>
         <c:minorTickMark val="none"/>
         <c:tickLblPos val="nextTo"/>
-        <c:crossAx val="-2130533656"/>
+        <c:crossAx val="-408214432"/>
         <c:crosses val="autoZero"/>
         <c:crossBetween val="midCat"/>
       </c:valAx>
@@ -16809,24 +16831,24 @@
     </dgm:pt>
   </dgm:ptLst>
   <dgm:cxnLst>
-    <dgm:cxn modelId="{F81CB881-7F49-DF4B-A81E-77AFE6F62EA2}" srcId="{71EE18D1-8CC3-8E41-ACA2-9B35359D6617}" destId="{1D3C440A-8027-E647-BBB6-AC953C515DB8}" srcOrd="2" destOrd="0" parTransId="{0421CE43-6E09-F648-8464-CA0FD7F401CC}" sibTransId="{108470BE-6679-C845-B593-E2214649AA50}"/>
+    <dgm:cxn modelId="{2FAFE70A-E5F8-2F45-9B77-B37AF0E1BFD1}" srcId="{1D3C440A-8027-E647-BBB6-AC953C515DB8}" destId="{7F07BAD9-40AE-B844-9349-6456A9E6FB39}" srcOrd="1" destOrd="0" parTransId="{4776A07D-0BBC-5D42-8180-C41B0DA5E880}" sibTransId="{6553573D-A963-4C43-8261-74DFD90DD3BD}"/>
+    <dgm:cxn modelId="{4685D489-B3B8-1A44-AAD2-1C7D02585C62}" type="presOf" srcId="{BEF78026-7012-C443-90FB-90E27348D16D}" destId="{14745DAC-7099-904C-BD4C-678380DD4D54}" srcOrd="0" destOrd="0" presId="urn:microsoft.com/office/officeart/2005/8/layout/hierarchy1"/>
+    <dgm:cxn modelId="{45E73551-71FE-8E42-9F05-DD9D0E79B877}" type="presOf" srcId="{C7C2C9BF-40A4-164D-AC94-6EF03C139F59}" destId="{C36B5EB1-3F3F-BA44-A811-F232D16795D1}" srcOrd="0" destOrd="0" presId="urn:microsoft.com/office/officeart/2005/8/layout/hierarchy1"/>
     <dgm:cxn modelId="{6E86E965-1ECE-FE42-A1BC-8A310710674F}" type="presOf" srcId="{4776A07D-0BBC-5D42-8180-C41B0DA5E880}" destId="{0435AFC5-3985-3745-A534-33CE385B34D2}" srcOrd="0" destOrd="0" presId="urn:microsoft.com/office/officeart/2005/8/layout/hierarchy1"/>
     <dgm:cxn modelId="{BFDF92E4-A52E-1147-A067-4157C96B07D3}" type="presOf" srcId="{59E0134A-F5AB-2043-9F22-4B2380079244}" destId="{01147CC0-42C1-B04F-8EDD-54B2F04CB9D8}" srcOrd="0" destOrd="0" presId="urn:microsoft.com/office/officeart/2005/8/layout/hierarchy1"/>
-    <dgm:cxn modelId="{4685D489-B3B8-1A44-AAD2-1C7D02585C62}" type="presOf" srcId="{BEF78026-7012-C443-90FB-90E27348D16D}" destId="{14745DAC-7099-904C-BD4C-678380DD4D54}" srcOrd="0" destOrd="0" presId="urn:microsoft.com/office/officeart/2005/8/layout/hierarchy1"/>
-    <dgm:cxn modelId="{355759F5-5074-A340-B229-59A18F09A29E}" srcId="{71EE18D1-8CC3-8E41-ACA2-9B35359D6617}" destId="{BEF78026-7012-C443-90FB-90E27348D16D}" srcOrd="1" destOrd="0" parTransId="{7DCD26B9-C573-C54B-8649-663CD5593B4B}" sibTransId="{EBC02DE9-2284-1342-A242-368579ADE57B}"/>
-    <dgm:cxn modelId="{45E73551-71FE-8E42-9F05-DD9D0E79B877}" type="presOf" srcId="{C7C2C9BF-40A4-164D-AC94-6EF03C139F59}" destId="{C36B5EB1-3F3F-BA44-A811-F232D16795D1}" srcOrd="0" destOrd="0" presId="urn:microsoft.com/office/officeart/2005/8/layout/hierarchy1"/>
-    <dgm:cxn modelId="{DD62B16E-795F-FF4C-818C-284647D03E74}" type="presOf" srcId="{0421CE43-6E09-F648-8464-CA0FD7F401CC}" destId="{C8051E87-664B-2942-A3BA-205ECB42885D}" srcOrd="0" destOrd="0" presId="urn:microsoft.com/office/officeart/2005/8/layout/hierarchy1"/>
+    <dgm:cxn modelId="{C44DBB57-4AD5-0447-8388-0354A7F67269}" type="presOf" srcId="{71EE18D1-8CC3-8E41-ACA2-9B35359D6617}" destId="{C73557CB-198D-2846-BAF4-03E1FA5561E7}" srcOrd="0" destOrd="0" presId="urn:microsoft.com/office/officeart/2005/8/layout/hierarchy1"/>
+    <dgm:cxn modelId="{475D7543-C097-F248-8CC8-C022E3009D86}" srcId="{71EE18D1-8CC3-8E41-ACA2-9B35359D6617}" destId="{D7988FB0-6EB6-774C-9FAC-B99CC253D69C}" srcOrd="0" destOrd="0" parTransId="{D841FEB8-8D08-D949-86F7-2C21EAC0FAE2}" sibTransId="{81EED53B-0CF0-9043-970B-7A68CAD1CBE6}"/>
     <dgm:cxn modelId="{C1CE9614-FF0C-4349-B6FA-04F86E0290E2}" type="presOf" srcId="{DE3A24CA-686F-2A42-A197-42E98B3AB0B9}" destId="{6C206588-AC79-C043-92F6-A0421C061460}" srcOrd="0" destOrd="0" presId="urn:microsoft.com/office/officeart/2005/8/layout/hierarchy1"/>
     <dgm:cxn modelId="{D1632D17-82C3-914D-98DB-F9F8F6B19976}" type="presOf" srcId="{7DCD26B9-C573-C54B-8649-663CD5593B4B}" destId="{A73276E5-48B1-D142-971B-AF7F23B6EA05}" srcOrd="0" destOrd="0" presId="urn:microsoft.com/office/officeart/2005/8/layout/hierarchy1"/>
+    <dgm:cxn modelId="{619CC25B-38EF-054E-A7BD-C4C74534DE2F}" type="presOf" srcId="{D7988FB0-6EB6-774C-9FAC-B99CC253D69C}" destId="{90380685-DBCA-B248-BEB9-E22EEFBD2658}" srcOrd="0" destOrd="0" presId="urn:microsoft.com/office/officeart/2005/8/layout/hierarchy1"/>
+    <dgm:cxn modelId="{DD62B16E-795F-FF4C-818C-284647D03E74}" type="presOf" srcId="{0421CE43-6E09-F648-8464-CA0FD7F401CC}" destId="{C8051E87-664B-2942-A3BA-205ECB42885D}" srcOrd="0" destOrd="0" presId="urn:microsoft.com/office/officeart/2005/8/layout/hierarchy1"/>
+    <dgm:cxn modelId="{8848B470-7864-1C41-81F4-7D6F89E60ECA}" type="presOf" srcId="{7F07BAD9-40AE-B844-9349-6456A9E6FB39}" destId="{38F2C3C4-E988-E343-B035-8D1ADB8A14A5}" srcOrd="0" destOrd="0" presId="urn:microsoft.com/office/officeart/2005/8/layout/hierarchy1"/>
+    <dgm:cxn modelId="{355759F5-5074-A340-B229-59A18F09A29E}" srcId="{71EE18D1-8CC3-8E41-ACA2-9B35359D6617}" destId="{BEF78026-7012-C443-90FB-90E27348D16D}" srcOrd="1" destOrd="0" parTransId="{7DCD26B9-C573-C54B-8649-663CD5593B4B}" sibTransId="{EBC02DE9-2284-1342-A242-368579ADE57B}"/>
+    <dgm:cxn modelId="{F02BF455-CFBE-5244-A5F0-321944BF40EF}" srcId="{1D3C440A-8027-E647-BBB6-AC953C515DB8}" destId="{C7C2C9BF-40A4-164D-AC94-6EF03C139F59}" srcOrd="0" destOrd="0" parTransId="{59E0134A-F5AB-2043-9F22-4B2380079244}" sibTransId="{71E348D9-E5D2-5F4B-8AB2-0BAC583AD1D5}"/>
+    <dgm:cxn modelId="{3CFA4D71-1CC7-3A48-BF3A-186D5EEADEDA}" type="presOf" srcId="{1D3C440A-8027-E647-BBB6-AC953C515DB8}" destId="{A0B7975F-6B8B-254B-9E65-AEE7200A6B6E}" srcOrd="0" destOrd="0" presId="urn:microsoft.com/office/officeart/2005/8/layout/hierarchy1"/>
+    <dgm:cxn modelId="{9F0E45BF-DA12-4142-841B-FB8E3EC09253}" type="presOf" srcId="{D841FEB8-8D08-D949-86F7-2C21EAC0FAE2}" destId="{4C53C624-B0C2-9B43-9DAF-89E4A81C2F62}" srcOrd="0" destOrd="0" presId="urn:microsoft.com/office/officeart/2005/8/layout/hierarchy1"/>
+    <dgm:cxn modelId="{F81CB881-7F49-DF4B-A81E-77AFE6F62EA2}" srcId="{71EE18D1-8CC3-8E41-ACA2-9B35359D6617}" destId="{1D3C440A-8027-E647-BBB6-AC953C515DB8}" srcOrd="2" destOrd="0" parTransId="{0421CE43-6E09-F648-8464-CA0FD7F401CC}" sibTransId="{108470BE-6679-C845-B593-E2214649AA50}"/>
     <dgm:cxn modelId="{FCC874D8-4B9F-0642-A97E-D3A10D6E84BB}" srcId="{DE3A24CA-686F-2A42-A197-42E98B3AB0B9}" destId="{71EE18D1-8CC3-8E41-ACA2-9B35359D6617}" srcOrd="0" destOrd="0" parTransId="{419577C8-226D-124E-BDDD-5CF9B3E48941}" sibTransId="{BA1FF91B-F78C-0341-925E-FE210CDA147D}"/>
-    <dgm:cxn modelId="{619CC25B-38EF-054E-A7BD-C4C74534DE2F}" type="presOf" srcId="{D7988FB0-6EB6-774C-9FAC-B99CC253D69C}" destId="{90380685-DBCA-B248-BEB9-E22EEFBD2658}" srcOrd="0" destOrd="0" presId="urn:microsoft.com/office/officeart/2005/8/layout/hierarchy1"/>
-    <dgm:cxn modelId="{475D7543-C097-F248-8CC8-C022E3009D86}" srcId="{71EE18D1-8CC3-8E41-ACA2-9B35359D6617}" destId="{D7988FB0-6EB6-774C-9FAC-B99CC253D69C}" srcOrd="0" destOrd="0" parTransId="{D841FEB8-8D08-D949-86F7-2C21EAC0FAE2}" sibTransId="{81EED53B-0CF0-9043-970B-7A68CAD1CBE6}"/>
-    <dgm:cxn modelId="{8848B470-7864-1C41-81F4-7D6F89E60ECA}" type="presOf" srcId="{7F07BAD9-40AE-B844-9349-6456A9E6FB39}" destId="{38F2C3C4-E988-E343-B035-8D1ADB8A14A5}" srcOrd="0" destOrd="0" presId="urn:microsoft.com/office/officeart/2005/8/layout/hierarchy1"/>
-    <dgm:cxn modelId="{3CFA4D71-1CC7-3A48-BF3A-186D5EEADEDA}" type="presOf" srcId="{1D3C440A-8027-E647-BBB6-AC953C515DB8}" destId="{A0B7975F-6B8B-254B-9E65-AEE7200A6B6E}" srcOrd="0" destOrd="0" presId="urn:microsoft.com/office/officeart/2005/8/layout/hierarchy1"/>
-    <dgm:cxn modelId="{2FAFE70A-E5F8-2F45-9B77-B37AF0E1BFD1}" srcId="{1D3C440A-8027-E647-BBB6-AC953C515DB8}" destId="{7F07BAD9-40AE-B844-9349-6456A9E6FB39}" srcOrd="1" destOrd="0" parTransId="{4776A07D-0BBC-5D42-8180-C41B0DA5E880}" sibTransId="{6553573D-A963-4C43-8261-74DFD90DD3BD}"/>
-    <dgm:cxn modelId="{C44DBB57-4AD5-0447-8388-0354A7F67269}" type="presOf" srcId="{71EE18D1-8CC3-8E41-ACA2-9B35359D6617}" destId="{C73557CB-198D-2846-BAF4-03E1FA5561E7}" srcOrd="0" destOrd="0" presId="urn:microsoft.com/office/officeart/2005/8/layout/hierarchy1"/>
-    <dgm:cxn modelId="{F02BF455-CFBE-5244-A5F0-321944BF40EF}" srcId="{1D3C440A-8027-E647-BBB6-AC953C515DB8}" destId="{C7C2C9BF-40A4-164D-AC94-6EF03C139F59}" srcOrd="0" destOrd="0" parTransId="{59E0134A-F5AB-2043-9F22-4B2380079244}" sibTransId="{71E348D9-E5D2-5F4B-8AB2-0BAC583AD1D5}"/>
-    <dgm:cxn modelId="{9F0E45BF-DA12-4142-841B-FB8E3EC09253}" type="presOf" srcId="{D841FEB8-8D08-D949-86F7-2C21EAC0FAE2}" destId="{4C53C624-B0C2-9B43-9DAF-89E4A81C2F62}" srcOrd="0" destOrd="0" presId="urn:microsoft.com/office/officeart/2005/8/layout/hierarchy1"/>
     <dgm:cxn modelId="{1CF85DCB-CC5E-594C-AA3B-E41D1F9E83C1}" type="presParOf" srcId="{6C206588-AC79-C043-92F6-A0421C061460}" destId="{F1CC8C6C-FF56-C440-AF11-BF4B627F37FE}" srcOrd="0" destOrd="0" presId="urn:microsoft.com/office/officeart/2005/8/layout/hierarchy1"/>
     <dgm:cxn modelId="{13F060BB-2EE9-3046-9900-44D39358050A}" type="presParOf" srcId="{F1CC8C6C-FF56-C440-AF11-BF4B627F37FE}" destId="{DFCC5331-80F1-3E4D-B7FA-72CDBA52FCBE}" srcOrd="0" destOrd="0" presId="urn:microsoft.com/office/officeart/2005/8/layout/hierarchy1"/>
     <dgm:cxn modelId="{92D178A0-ED56-1A43-92ED-AAAD4DC564EA}" type="presParOf" srcId="{DFCC5331-80F1-3E4D-B7FA-72CDBA52FCBE}" destId="{6088A978-954A-DF47-841F-19AFEBA85082}" srcOrd="0" destOrd="0" presId="urn:microsoft.com/office/officeart/2005/8/layout/hierarchy1"/>
@@ -22018,7 +22040,7 @@
           <a:p>
             <a:fld id="{AE43CAAE-1858-D847-AC89-6E718B88B6C4}" type="datetimeFigureOut">
               <a:rPr lang="en-US" smtClean="0"/>
-              <a:t>9/17/15</a:t>
+              <a:t>6/16/17</a:t>
             </a:fld>
             <a:endParaRPr lang="en-US"/>
           </a:p>
@@ -22551,7 +22573,7 @@
           <a:p>
             <a:fld id="{3D98B6A7-FC0B-C148-9F76-B34DD2468D7F}" type="datetimeFigureOut">
               <a:rPr lang="en-US" smtClean="0"/>
-              <a:t>9/17/15</a:t>
+              <a:t>6/16/17</a:t>
             </a:fld>
             <a:endParaRPr lang="en-US"/>
           </a:p>
@@ -22721,7 +22743,7 @@
           <a:p>
             <a:fld id="{3D98B6A7-FC0B-C148-9F76-B34DD2468D7F}" type="datetimeFigureOut">
               <a:rPr lang="en-US" smtClean="0"/>
-              <a:t>9/17/15</a:t>
+              <a:t>6/16/17</a:t>
             </a:fld>
             <a:endParaRPr lang="en-US"/>
           </a:p>
@@ -22901,7 +22923,7 @@
           <a:p>
             <a:fld id="{3D98B6A7-FC0B-C148-9F76-B34DD2468D7F}" type="datetimeFigureOut">
               <a:rPr lang="en-US" smtClean="0"/>
-              <a:t>9/17/15</a:t>
+              <a:t>6/16/17</a:t>
             </a:fld>
             <a:endParaRPr lang="en-US"/>
           </a:p>
@@ -23071,7 +23093,7 @@
           <a:p>
             <a:fld id="{3D98B6A7-FC0B-C148-9F76-B34DD2468D7F}" type="datetimeFigureOut">
               <a:rPr lang="en-US" smtClean="0"/>
-              <a:t>9/17/15</a:t>
+              <a:t>6/16/17</a:t>
             </a:fld>
             <a:endParaRPr lang="en-US"/>
           </a:p>
@@ -23317,7 +23339,7 @@
           <a:p>
             <a:fld id="{3D98B6A7-FC0B-C148-9F76-B34DD2468D7F}" type="datetimeFigureOut">
               <a:rPr lang="en-US" smtClean="0"/>
-              <a:t>9/17/15</a:t>
+              <a:t>6/16/17</a:t>
             </a:fld>
             <a:endParaRPr lang="en-US"/>
           </a:p>
@@ -23605,7 +23627,7 @@
           <a:p>
             <a:fld id="{3D98B6A7-FC0B-C148-9F76-B34DD2468D7F}" type="datetimeFigureOut">
               <a:rPr lang="en-US" smtClean="0"/>
-              <a:t>9/17/15</a:t>
+              <a:t>6/16/17</a:t>
             </a:fld>
             <a:endParaRPr lang="en-US"/>
           </a:p>
@@ -24027,7 +24049,7 @@
           <a:p>
             <a:fld id="{3D98B6A7-FC0B-C148-9F76-B34DD2468D7F}" type="datetimeFigureOut">
               <a:rPr lang="en-US" smtClean="0"/>
-              <a:t>9/17/15</a:t>
+              <a:t>6/16/17</a:t>
             </a:fld>
             <a:endParaRPr lang="en-US"/>
           </a:p>
@@ -24145,7 +24167,7 @@
           <a:p>
             <a:fld id="{3D98B6A7-FC0B-C148-9F76-B34DD2468D7F}" type="datetimeFigureOut">
               <a:rPr lang="en-US" smtClean="0"/>
-              <a:t>9/17/15</a:t>
+              <a:t>6/16/17</a:t>
             </a:fld>
             <a:endParaRPr lang="en-US"/>
           </a:p>
@@ -24240,7 +24262,7 @@
           <a:p>
             <a:fld id="{3D98B6A7-FC0B-C148-9F76-B34DD2468D7F}" type="datetimeFigureOut">
               <a:rPr lang="en-US" smtClean="0"/>
-              <a:t>9/17/15</a:t>
+              <a:t>6/16/17</a:t>
             </a:fld>
             <a:endParaRPr lang="en-US"/>
           </a:p>
@@ -24517,7 +24539,7 @@
           <a:p>
             <a:fld id="{3D98B6A7-FC0B-C148-9F76-B34DD2468D7F}" type="datetimeFigureOut">
               <a:rPr lang="en-US" smtClean="0"/>
-              <a:t>9/17/15</a:t>
+              <a:t>6/16/17</a:t>
             </a:fld>
             <a:endParaRPr lang="en-US"/>
           </a:p>
@@ -24770,7 +24792,7 @@
           <a:p>
             <a:fld id="{3D98B6A7-FC0B-C148-9F76-B34DD2468D7F}" type="datetimeFigureOut">
               <a:rPr lang="en-US" smtClean="0"/>
-              <a:t>9/17/15</a:t>
+              <a:t>6/16/17</a:t>
             </a:fld>
             <a:endParaRPr lang="en-US"/>
           </a:p>
@@ -24983,7 +25005,7 @@
           <a:p>
             <a:fld id="{3D98B6A7-FC0B-C148-9F76-B34DD2468D7F}" type="datetimeFigureOut">
               <a:rPr lang="en-US" smtClean="0"/>
-              <a:t>9/17/15</a:t>
+              <a:t>6/16/17</a:t>
             </a:fld>
             <a:endParaRPr lang="en-US"/>
           </a:p>
@@ -27219,16 +27241,16 @@
       </p:sp>
       <p:sp>
         <p:nvSpPr>
-          <p:cNvPr id="27" name="Rectangle 26"/>
+          <p:cNvPr id="33" name="Circular Arrow 32"/>
           <p:cNvSpPr/>
           <p:nvPr/>
         </p:nvSpPr>
         <p:spPr>
-          <a:xfrm>
-            <a:off x="4401710" y="3877991"/>
-            <a:ext cx="223419" cy="352748"/>
-          </a:xfrm>
-          <a:prstGeom prst="rect">
+          <a:xfrm rot="6640611">
+            <a:off x="3251878" y="1736185"/>
+            <a:ext cx="423455" cy="438873"/>
+          </a:xfrm>
+          <a:prstGeom prst="circularArrow">
             <a:avLst/>
           </a:prstGeom>
         </p:spPr>
@@ -27251,22 +27273,26 @@
           <a:lstStyle/>
           <a:p>
             <a:pPr algn="ctr"/>
-            <a:endParaRPr lang="en-US"/>
+            <a:endParaRPr lang="en-US">
+              <a:solidFill>
+                <a:schemeClr val="tx1"/>
+              </a:solidFill>
+            </a:endParaRPr>
           </a:p>
         </p:txBody>
       </p:sp>
       <p:sp>
         <p:nvSpPr>
-          <p:cNvPr id="28" name="Rectangle 27"/>
+          <p:cNvPr id="34" name="Circular Arrow 33"/>
           <p:cNvSpPr/>
           <p:nvPr/>
         </p:nvSpPr>
         <p:spPr>
-          <a:xfrm>
-            <a:off x="4636423" y="3877537"/>
-            <a:ext cx="223419" cy="352748"/>
-          </a:xfrm>
-          <a:prstGeom prst="rect">
+          <a:xfrm rot="17087861">
+            <a:off x="3213159" y="1737714"/>
+            <a:ext cx="423455" cy="416573"/>
+          </a:xfrm>
+          <a:prstGeom prst="circularArrow">
             <a:avLst/>
           </a:prstGeom>
         </p:spPr>
@@ -27289,19 +27315,23 @@
           <a:lstStyle/>
           <a:p>
             <a:pPr algn="ctr"/>
-            <a:endParaRPr lang="en-US"/>
+            <a:endParaRPr lang="en-US">
+              <a:solidFill>
+                <a:schemeClr val="tx1"/>
+              </a:solidFill>
+            </a:endParaRPr>
           </a:p>
         </p:txBody>
       </p:sp>
       <p:sp>
         <p:nvSpPr>
-          <p:cNvPr id="29" name="Rectangle 28"/>
+          <p:cNvPr id="35" name="Rectangle 34"/>
           <p:cNvSpPr/>
           <p:nvPr/>
         </p:nvSpPr>
         <p:spPr>
           <a:xfrm>
-            <a:off x="4859842" y="3877991"/>
+            <a:off x="4401710" y="4284362"/>
             <a:ext cx="223419" cy="352748"/>
           </a:xfrm>
           <a:prstGeom prst="rect">
@@ -27333,13 +27363,13 @@
       </p:sp>
       <p:sp>
         <p:nvSpPr>
-          <p:cNvPr id="30" name="Rectangle 29"/>
+          <p:cNvPr id="36" name="Rectangle 35"/>
           <p:cNvSpPr/>
           <p:nvPr/>
         </p:nvSpPr>
         <p:spPr>
           <a:xfrm>
-            <a:off x="5083261" y="3877991"/>
+            <a:off x="4636423" y="4283908"/>
             <a:ext cx="223419" cy="352748"/>
           </a:xfrm>
           <a:prstGeom prst="rect">
@@ -27371,16 +27401,16 @@
       </p:sp>
       <p:sp>
         <p:nvSpPr>
-          <p:cNvPr id="33" name="Circular Arrow 32"/>
+          <p:cNvPr id="37" name="Rectangle 36"/>
           <p:cNvSpPr/>
           <p:nvPr/>
         </p:nvSpPr>
         <p:spPr>
-          <a:xfrm rot="6640611">
-            <a:off x="3251878" y="1736185"/>
-            <a:ext cx="423455" cy="438873"/>
-          </a:xfrm>
-          <a:prstGeom prst="circularArrow">
+          <a:xfrm>
+            <a:off x="4859842" y="4284362"/>
+            <a:ext cx="223419" cy="352748"/>
+          </a:xfrm>
+          <a:prstGeom prst="rect">
             <a:avLst/>
           </a:prstGeom>
         </p:spPr>
@@ -27403,26 +27433,22 @@
           <a:lstStyle/>
           <a:p>
             <a:pPr algn="ctr"/>
-            <a:endParaRPr lang="en-US">
-              <a:solidFill>
-                <a:schemeClr val="tx1"/>
-              </a:solidFill>
-            </a:endParaRPr>
+            <a:endParaRPr lang="en-US"/>
           </a:p>
         </p:txBody>
       </p:sp>
       <p:sp>
         <p:nvSpPr>
-          <p:cNvPr id="34" name="Circular Arrow 33"/>
+          <p:cNvPr id="38" name="Rectangle 37"/>
           <p:cNvSpPr/>
           <p:nvPr/>
         </p:nvSpPr>
         <p:spPr>
-          <a:xfrm rot="17087861">
-            <a:off x="3213159" y="1737714"/>
-            <a:ext cx="423455" cy="416573"/>
-          </a:xfrm>
-          <a:prstGeom prst="circularArrow">
+          <a:xfrm>
+            <a:off x="5083261" y="4280367"/>
+            <a:ext cx="223419" cy="352748"/>
+          </a:xfrm>
+          <a:prstGeom prst="rect">
             <a:avLst/>
           </a:prstGeom>
         </p:spPr>
@@ -27445,162 +27471,6 @@
           <a:lstStyle/>
           <a:p>
             <a:pPr algn="ctr"/>
-            <a:endParaRPr lang="en-US">
-              <a:solidFill>
-                <a:schemeClr val="tx1"/>
-              </a:solidFill>
-            </a:endParaRPr>
-          </a:p>
-        </p:txBody>
-      </p:sp>
-      <p:sp>
-        <p:nvSpPr>
-          <p:cNvPr id="35" name="Rectangle 34"/>
-          <p:cNvSpPr/>
-          <p:nvPr/>
-        </p:nvSpPr>
-        <p:spPr>
-          <a:xfrm>
-            <a:off x="4401710" y="4284362"/>
-            <a:ext cx="223419" cy="352748"/>
-          </a:xfrm>
-          <a:prstGeom prst="rect">
-            <a:avLst/>
-          </a:prstGeom>
-        </p:spPr>
-        <p:style>
-          <a:lnRef idx="1">
-            <a:schemeClr val="accent1"/>
-          </a:lnRef>
-          <a:fillRef idx="3">
-            <a:schemeClr val="accent1"/>
-          </a:fillRef>
-          <a:effectRef idx="2">
-            <a:schemeClr val="accent1"/>
-          </a:effectRef>
-          <a:fontRef idx="minor">
-            <a:schemeClr val="lt1"/>
-          </a:fontRef>
-        </p:style>
-        <p:txBody>
-          <a:bodyPr rtlCol="0" anchor="ctr"/>
-          <a:lstStyle/>
-          <a:p>
-            <a:pPr algn="ctr"/>
-            <a:endParaRPr lang="en-US"/>
-          </a:p>
-        </p:txBody>
-      </p:sp>
-      <p:sp>
-        <p:nvSpPr>
-          <p:cNvPr id="36" name="Rectangle 35"/>
-          <p:cNvSpPr/>
-          <p:nvPr/>
-        </p:nvSpPr>
-        <p:spPr>
-          <a:xfrm>
-            <a:off x="4636423" y="4283908"/>
-            <a:ext cx="223419" cy="352748"/>
-          </a:xfrm>
-          <a:prstGeom prst="rect">
-            <a:avLst/>
-          </a:prstGeom>
-        </p:spPr>
-        <p:style>
-          <a:lnRef idx="1">
-            <a:schemeClr val="accent1"/>
-          </a:lnRef>
-          <a:fillRef idx="3">
-            <a:schemeClr val="accent1"/>
-          </a:fillRef>
-          <a:effectRef idx="2">
-            <a:schemeClr val="accent1"/>
-          </a:effectRef>
-          <a:fontRef idx="minor">
-            <a:schemeClr val="lt1"/>
-          </a:fontRef>
-        </p:style>
-        <p:txBody>
-          <a:bodyPr rtlCol="0" anchor="ctr"/>
-          <a:lstStyle/>
-          <a:p>
-            <a:pPr algn="ctr"/>
-            <a:endParaRPr lang="en-US"/>
-          </a:p>
-        </p:txBody>
-      </p:sp>
-      <p:sp>
-        <p:nvSpPr>
-          <p:cNvPr id="37" name="Rectangle 36"/>
-          <p:cNvSpPr/>
-          <p:nvPr/>
-        </p:nvSpPr>
-        <p:spPr>
-          <a:xfrm>
-            <a:off x="4859842" y="4284362"/>
-            <a:ext cx="223419" cy="352748"/>
-          </a:xfrm>
-          <a:prstGeom prst="rect">
-            <a:avLst/>
-          </a:prstGeom>
-        </p:spPr>
-        <p:style>
-          <a:lnRef idx="1">
-            <a:schemeClr val="accent1"/>
-          </a:lnRef>
-          <a:fillRef idx="3">
-            <a:schemeClr val="accent1"/>
-          </a:fillRef>
-          <a:effectRef idx="2">
-            <a:schemeClr val="accent1"/>
-          </a:effectRef>
-          <a:fontRef idx="minor">
-            <a:schemeClr val="lt1"/>
-          </a:fontRef>
-        </p:style>
-        <p:txBody>
-          <a:bodyPr rtlCol="0" anchor="ctr"/>
-          <a:lstStyle/>
-          <a:p>
-            <a:pPr algn="ctr"/>
-            <a:endParaRPr lang="en-US"/>
-          </a:p>
-        </p:txBody>
-      </p:sp>
-      <p:sp>
-        <p:nvSpPr>
-          <p:cNvPr id="38" name="Rectangle 37"/>
-          <p:cNvSpPr/>
-          <p:nvPr/>
-        </p:nvSpPr>
-        <p:spPr>
-          <a:xfrm>
-            <a:off x="5083261" y="4298473"/>
-            <a:ext cx="223419" cy="352748"/>
-          </a:xfrm>
-          <a:prstGeom prst="rect">
-            <a:avLst/>
-          </a:prstGeom>
-        </p:spPr>
-        <p:style>
-          <a:lnRef idx="1">
-            <a:schemeClr val="accent1"/>
-          </a:lnRef>
-          <a:fillRef idx="3">
-            <a:schemeClr val="accent1"/>
-          </a:fillRef>
-          <a:effectRef idx="2">
-            <a:schemeClr val="accent1"/>
-          </a:effectRef>
-          <a:fontRef idx="minor">
-            <a:schemeClr val="lt1"/>
-          </a:fontRef>
-        </p:style>
-        <p:txBody>
-          <a:bodyPr rtlCol="0" anchor="ctr"/>
-          <a:lstStyle/>
-          <a:p>
-            <a:pPr algn="ctr"/>
             <a:endParaRPr lang="en-US"/>
           </a:p>
         </p:txBody>
@@ -27613,8 +27483,8 @@
         </p:nvSpPr>
         <p:spPr>
           <a:xfrm>
-            <a:off x="5935415" y="485227"/>
-            <a:ext cx="1093576" cy="1012121"/>
+            <a:off x="5828790" y="385781"/>
+            <a:ext cx="1285187" cy="1203875"/>
           </a:xfrm>
           <a:prstGeom prst="ellipse">
             <a:avLst/>
@@ -27660,7 +27530,7 @@
         </p:nvSpPr>
         <p:spPr>
           <a:xfrm>
-            <a:off x="6264662" y="755212"/>
+            <a:off x="5929693" y="492674"/>
             <a:ext cx="434613" cy="411720"/>
           </a:xfrm>
           <a:prstGeom prst="ellipse">
@@ -27700,23 +27570,22 @@
       </p:sp>
       <p:sp>
         <p:nvSpPr>
-          <p:cNvPr id="43" name="Oval 42"/>
+          <p:cNvPr id="44" name="Oval 43"/>
           <p:cNvSpPr/>
           <p:nvPr/>
         </p:nvSpPr>
         <p:spPr>
           <a:xfrm>
-            <a:off x="6087815" y="637627"/>
-            <a:ext cx="1093576" cy="1012121"/>
+            <a:off x="6082093" y="645074"/>
+            <a:ext cx="434613" cy="411720"/>
           </a:xfrm>
           <a:prstGeom prst="ellipse">
             <a:avLst/>
           </a:prstGeom>
           <a:solidFill>
-            <a:schemeClr val="accent3">
-              <a:lumMod val="50000"/>
-              <a:alpha val="28000"/>
-            </a:schemeClr>
+            <a:srgbClr val="FF0000">
+              <a:alpha val="27000"/>
+            </a:srgbClr>
           </a:solidFill>
           <a:ln>
             <a:noFill/>
@@ -27747,13 +27616,13 @@
       </p:sp>
       <p:sp>
         <p:nvSpPr>
-          <p:cNvPr id="44" name="Oval 43"/>
+          <p:cNvPr id="46" name="Oval 45"/>
           <p:cNvSpPr/>
           <p:nvPr/>
         </p:nvSpPr>
         <p:spPr>
           <a:xfrm>
-            <a:off x="6417062" y="907612"/>
+            <a:off x="6234493" y="797474"/>
             <a:ext cx="434613" cy="411720"/>
           </a:xfrm>
           <a:prstGeom prst="ellipse">
@@ -27793,23 +27662,22 @@
       </p:sp>
       <p:sp>
         <p:nvSpPr>
-          <p:cNvPr id="45" name="Oval 44"/>
+          <p:cNvPr id="48" name="Oval 47"/>
           <p:cNvSpPr/>
           <p:nvPr/>
         </p:nvSpPr>
         <p:spPr>
           <a:xfrm>
-            <a:off x="6240215" y="790027"/>
-            <a:ext cx="1093576" cy="1012121"/>
+            <a:off x="6386893" y="949874"/>
+            <a:ext cx="434613" cy="411720"/>
           </a:xfrm>
           <a:prstGeom prst="ellipse">
             <a:avLst/>
           </a:prstGeom>
           <a:solidFill>
-            <a:schemeClr val="accent3">
-              <a:lumMod val="50000"/>
-              <a:alpha val="28000"/>
-            </a:schemeClr>
+            <a:srgbClr val="FF0000">
+              <a:alpha val="27000"/>
+            </a:srgbClr>
           </a:solidFill>
           <a:ln>
             <a:noFill/>
@@ -27838,162 +27706,23 @@
           </a:p>
         </p:txBody>
       </p:sp>
-      <p:sp>
-        <p:nvSpPr>
-          <p:cNvPr id="46" name="Oval 45"/>
-          <p:cNvSpPr/>
-          <p:nvPr/>
-        </p:nvSpPr>
-        <p:spPr>
-          <a:xfrm>
-            <a:off x="6569462" y="1060012"/>
-            <a:ext cx="434613" cy="411720"/>
-          </a:xfrm>
-          <a:prstGeom prst="ellipse">
-            <a:avLst/>
-          </a:prstGeom>
-          <a:solidFill>
-            <a:srgbClr val="FF0000">
-              <a:alpha val="27000"/>
-            </a:srgbClr>
-          </a:solidFill>
-          <a:ln>
-            <a:noFill/>
-          </a:ln>
-        </p:spPr>
-        <p:style>
-          <a:lnRef idx="1">
-            <a:schemeClr val="accent1"/>
-          </a:lnRef>
-          <a:fillRef idx="3">
-            <a:schemeClr val="accent1"/>
-          </a:fillRef>
-          <a:effectRef idx="2">
-            <a:schemeClr val="accent1"/>
-          </a:effectRef>
-          <a:fontRef idx="minor">
-            <a:schemeClr val="lt1"/>
-          </a:fontRef>
-        </p:style>
-        <p:txBody>
-          <a:bodyPr rtlCol="0" anchor="ctr"/>
-          <a:lstStyle/>
-          <a:p>
-            <a:pPr algn="ctr"/>
-            <a:endParaRPr lang="en-US"/>
-          </a:p>
-        </p:txBody>
-      </p:sp>
-      <p:sp>
-        <p:nvSpPr>
-          <p:cNvPr id="47" name="Oval 46"/>
-          <p:cNvSpPr/>
-          <p:nvPr/>
-        </p:nvSpPr>
-        <p:spPr>
-          <a:xfrm>
-            <a:off x="6392615" y="942427"/>
-            <a:ext cx="1093576" cy="1012121"/>
-          </a:xfrm>
-          <a:prstGeom prst="ellipse">
-            <a:avLst/>
-          </a:prstGeom>
-          <a:solidFill>
-            <a:schemeClr val="accent3">
-              <a:lumMod val="50000"/>
-              <a:alpha val="28000"/>
-            </a:schemeClr>
-          </a:solidFill>
-          <a:ln>
-            <a:noFill/>
-          </a:ln>
-        </p:spPr>
-        <p:style>
-          <a:lnRef idx="1">
-            <a:schemeClr val="accent1"/>
-          </a:lnRef>
-          <a:fillRef idx="3">
-            <a:schemeClr val="accent1"/>
-          </a:fillRef>
-          <a:effectRef idx="2">
-            <a:schemeClr val="accent1"/>
-          </a:effectRef>
-          <a:fontRef idx="minor">
-            <a:schemeClr val="lt1"/>
-          </a:fontRef>
-        </p:style>
-        <p:txBody>
-          <a:bodyPr rtlCol="0" anchor="ctr"/>
-          <a:lstStyle/>
-          <a:p>
-            <a:pPr algn="ctr"/>
-            <a:endParaRPr lang="en-US"/>
-          </a:p>
-        </p:txBody>
-      </p:sp>
-      <p:sp>
-        <p:nvSpPr>
-          <p:cNvPr id="48" name="Oval 47"/>
-          <p:cNvSpPr/>
-          <p:nvPr/>
-        </p:nvSpPr>
-        <p:spPr>
-          <a:xfrm>
-            <a:off x="6721862" y="1212412"/>
-            <a:ext cx="434613" cy="411720"/>
-          </a:xfrm>
-          <a:prstGeom prst="ellipse">
-            <a:avLst/>
-          </a:prstGeom>
-          <a:solidFill>
-            <a:srgbClr val="FF0000">
-              <a:alpha val="27000"/>
-            </a:srgbClr>
-          </a:solidFill>
-          <a:ln>
-            <a:noFill/>
-          </a:ln>
-        </p:spPr>
-        <p:style>
-          <a:lnRef idx="1">
-            <a:schemeClr val="accent1"/>
-          </a:lnRef>
-          <a:fillRef idx="3">
-            <a:schemeClr val="accent1"/>
-          </a:fillRef>
-          <a:effectRef idx="2">
-            <a:schemeClr val="accent1"/>
-          </a:effectRef>
-          <a:fontRef idx="minor">
-            <a:schemeClr val="lt1"/>
-          </a:fontRef>
-        </p:style>
-        <p:txBody>
-          <a:bodyPr rtlCol="0" anchor="ctr"/>
-          <a:lstStyle/>
-          <a:p>
-            <a:pPr algn="ctr"/>
-            <a:endParaRPr lang="en-US"/>
-          </a:p>
-        </p:txBody>
-      </p:sp>
       <p:cxnSp>
         <p:nvCxnSpPr>
           <p:cNvPr id="50" name="Elbow Connector 49"/>
           <p:cNvCxnSpPr>
             <a:stCxn id="41" idx="1"/>
-            <a:endCxn id="27" idx="0"/>
+            <a:endCxn id="35" idx="0"/>
           </p:cNvCxnSpPr>
           <p:nvPr/>
         </p:nvCxnSpPr>
         <p:spPr>
           <a:xfrm rot="16200000" flipH="1" flipV="1">
-            <a:off x="3682222" y="1464647"/>
-            <a:ext cx="3244542" cy="1582145"/>
+            <a:off x="3404072" y="1671432"/>
+            <a:ext cx="3722278" cy="1503581"/>
           </a:xfrm>
           <a:prstGeom prst="bentConnector3">
             <a:avLst>
-              <a:gd name="adj1" fmla="val -11614"/>
+              <a:gd name="adj1" fmla="val -10878"/>
             </a:avLst>
           </a:prstGeom>
           <a:ln>
@@ -28020,19 +27749,18 @@
         <p:nvCxnSpPr>
           <p:cNvPr id="56" name="Elbow Connector 55"/>
           <p:cNvCxnSpPr>
-            <a:stCxn id="43" idx="1"/>
-            <a:endCxn id="28" idx="0"/>
+            <a:endCxn id="36" idx="0"/>
           </p:cNvCxnSpPr>
           <p:nvPr/>
         </p:nvCxnSpPr>
         <p:spPr>
-          <a:xfrm rot="16200000" flipH="1" flipV="1">
-            <a:off x="3952205" y="1581777"/>
-            <a:ext cx="3091688" cy="1499832"/>
+          <a:xfrm rot="5400000">
+            <a:off x="3753062" y="1772302"/>
+            <a:ext cx="3506677" cy="1516534"/>
           </a:xfrm>
           <a:prstGeom prst="bentConnector3">
             <a:avLst>
-              <a:gd name="adj1" fmla="val -12188"/>
+              <a:gd name="adj1" fmla="val -10414"/>
             </a:avLst>
           </a:prstGeom>
           <a:ln>
@@ -28059,19 +27787,18 @@
         <p:nvCxnSpPr>
           <p:cNvPr id="58" name="Elbow Connector 57"/>
           <p:cNvCxnSpPr>
-            <a:stCxn id="45" idx="1"/>
-            <a:endCxn id="29" idx="0"/>
+            <a:endCxn id="37" idx="0"/>
           </p:cNvCxnSpPr>
           <p:nvPr/>
         </p:nvCxnSpPr>
         <p:spPr>
-          <a:xfrm rot="16200000" flipH="1" flipV="1">
-            <a:off x="4216088" y="1693713"/>
-            <a:ext cx="2939742" cy="1428813"/>
+          <a:xfrm rot="5400000">
+            <a:off x="4013077" y="1915106"/>
+            <a:ext cx="3327731" cy="1410780"/>
           </a:xfrm>
           <a:prstGeom prst="bentConnector3">
             <a:avLst>
-              <a:gd name="adj1" fmla="val -12818"/>
+              <a:gd name="adj1" fmla="val -11758"/>
             </a:avLst>
           </a:prstGeom>
           <a:ln>
@@ -28098,19 +27825,18 @@
         <p:nvCxnSpPr>
           <p:cNvPr id="60" name="Elbow Connector 59"/>
           <p:cNvCxnSpPr>
-            <a:stCxn id="47" idx="1"/>
-            <a:endCxn id="30" idx="0"/>
+            <a:endCxn id="38" idx="0"/>
           </p:cNvCxnSpPr>
           <p:nvPr/>
         </p:nvCxnSpPr>
         <p:spPr>
-          <a:xfrm rot="16200000" flipH="1" flipV="1">
-            <a:off x="4480197" y="1805423"/>
-            <a:ext cx="2787342" cy="1357794"/>
+          <a:xfrm rot="5400000">
+            <a:off x="4279009" y="2006611"/>
+            <a:ext cx="3189718" cy="1357794"/>
           </a:xfrm>
           <a:prstGeom prst="bentConnector3">
             <a:avLst>
-              <a:gd name="adj1" fmla="val -13519"/>
+              <a:gd name="adj1" fmla="val -9889"/>
             </a:avLst>
           </a:prstGeom>
           <a:ln>
@@ -28439,14 +28165,14 @@
         </p:nvCxnSpPr>
         <p:spPr>
           <a:xfrm rot="16200000" flipH="1" flipV="1">
-            <a:off x="5574997" y="2608553"/>
-            <a:ext cx="1662641" cy="2422694"/>
+            <a:off x="5584050" y="2599500"/>
+            <a:ext cx="1644535" cy="2422694"/>
           </a:xfrm>
           <a:prstGeom prst="bentConnector5">
             <a:avLst>
-              <a:gd name="adj1" fmla="val -13749"/>
+              <a:gd name="adj1" fmla="val -13901"/>
               <a:gd name="adj2" fmla="val 58722"/>
-              <a:gd name="adj3" fmla="val 113749"/>
+              <a:gd name="adj3" fmla="val 113901"/>
             </a:avLst>
           </a:prstGeom>
           <a:ln>
@@ -29092,7 +28818,7 @@
         </p:nvSpPr>
         <p:spPr>
           <a:xfrm>
-            <a:off x="4460858" y="5333117"/>
+            <a:off x="4488057" y="5387303"/>
             <a:ext cx="603933" cy="261610"/>
           </a:xfrm>
           <a:prstGeom prst="rect">
@@ -29125,7 +28851,7 @@
         </p:nvSpPr>
         <p:spPr>
           <a:xfrm>
-            <a:off x="7739009" y="776807"/>
+            <a:off x="7486776" y="243482"/>
             <a:ext cx="1454864" cy="261610"/>
           </a:xfrm>
           <a:prstGeom prst="rect">
@@ -29151,15 +28877,14 @@
         <p:nvCxnSpPr>
           <p:cNvPr id="141" name="Curved Connector 140"/>
           <p:cNvCxnSpPr>
-            <a:stCxn id="47" idx="7"/>
-            <a:endCxn id="132" idx="1"/>
+            <a:stCxn id="41" idx="7"/>
           </p:cNvCxnSpPr>
           <p:nvPr/>
         </p:nvCxnSpPr>
         <p:spPr>
           <a:xfrm rot="5400000" flipH="1" flipV="1">
-            <a:off x="7441007" y="792647"/>
-            <a:ext cx="183037" cy="412968"/>
+            <a:off x="7116324" y="192218"/>
+            <a:ext cx="179308" cy="560425"/>
           </a:xfrm>
           <a:prstGeom prst="curvedConnector2">
             <a:avLst/>
@@ -29189,14 +28914,12 @@
       <p:cxnSp>
         <p:nvCxnSpPr>
           <p:cNvPr id="142" name="Curved Connector 141"/>
-          <p:cNvCxnSpPr>
-            <a:stCxn id="48" idx="6"/>
-          </p:cNvCxnSpPr>
+          <p:cNvCxnSpPr/>
           <p:nvPr/>
         </p:nvCxnSpPr>
         <p:spPr>
           <a:xfrm flipV="1">
-            <a:off x="7156475" y="1166932"/>
+            <a:off x="6795462" y="868297"/>
             <a:ext cx="734935" cy="251340"/>
           </a:xfrm>
           <a:prstGeom prst="curvedConnector3">
@@ -29234,8 +28957,8 @@
         </p:nvSpPr>
         <p:spPr>
           <a:xfrm>
-            <a:off x="7844373" y="1011059"/>
-            <a:ext cx="1185960" cy="261610"/>
+            <a:off x="7508828" y="704738"/>
+            <a:ext cx="1542410" cy="261610"/>
           </a:xfrm>
           <a:prstGeom prst="rect">
             <a:avLst/>
@@ -29249,8 +28972,12 @@
           <a:lstStyle/>
           <a:p>
             <a:r>
-              <a:rPr lang="en-US" sz="1100" dirty="0" smtClean="0"/>
-              <a:t>Engine Reference</a:t>
+              <a:rPr lang="en-US" sz="1100" smtClean="0"/>
+              <a:t>Engine </a:t>
+            </a:r>
+            <a:r>
+              <a:rPr lang="en-US" sz="1100" smtClean="0"/>
+              <a:t>Execute Method</a:t>
             </a:r>
             <a:endParaRPr lang="en-US" sz="1100" dirty="0"/>
           </a:p>
@@ -29404,14 +29131,14 @@
       </p:cxnSp>
       <p:sp>
         <p:nvSpPr>
-          <p:cNvPr id="164" name="TextBox 163"/>
+          <p:cNvPr id="165" name="TextBox 164"/>
           <p:cNvSpPr txBox="1"/>
           <p:nvPr/>
         </p:nvSpPr>
         <p:spPr>
           <a:xfrm>
-            <a:off x="6354067" y="3950503"/>
-            <a:ext cx="848935" cy="261610"/>
+            <a:off x="6386642" y="4323495"/>
+            <a:ext cx="874489" cy="261610"/>
           </a:xfrm>
           <a:prstGeom prst="rect">
             <a:avLst/>
@@ -29426,82 +29153,12 @@
           <a:p>
             <a:r>
               <a:rPr lang="en-US" sz="1100" dirty="0" smtClean="0"/>
-              <a:t>Object Pool</a:t>
-            </a:r>
-            <a:endParaRPr lang="en-US" sz="1100" dirty="0"/>
-          </a:p>
-        </p:txBody>
-      </p:sp>
-      <p:sp>
-        <p:nvSpPr>
-          <p:cNvPr id="165" name="TextBox 164"/>
-          <p:cNvSpPr txBox="1"/>
-          <p:nvPr/>
-        </p:nvSpPr>
-        <p:spPr>
-          <a:xfrm>
-            <a:off x="6386642" y="4323495"/>
-            <a:ext cx="874489" cy="261610"/>
-          </a:xfrm>
-          <a:prstGeom prst="rect">
-            <a:avLst/>
-          </a:prstGeom>
-          <a:noFill/>
-        </p:spPr>
-        <p:txBody>
-          <a:bodyPr wrap="none" rtlCol="0">
-            <a:spAutoFit/>
-          </a:bodyPr>
-          <a:lstStyle/>
-          <a:p>
-            <a:r>
-              <a:rPr lang="en-US" sz="1100" dirty="0" smtClean="0"/>
               <a:t>Thread Pool</a:t>
             </a:r>
             <a:endParaRPr lang="en-US" sz="1100" dirty="0"/>
           </a:p>
         </p:txBody>
       </p:sp>
-      <p:cxnSp>
-        <p:nvCxnSpPr>
-          <p:cNvPr id="166" name="Curved Connector 165"/>
-          <p:cNvCxnSpPr>
-            <a:stCxn id="30" idx="3"/>
-          </p:cNvCxnSpPr>
-          <p:nvPr/>
-        </p:nvCxnSpPr>
-        <p:spPr>
-          <a:xfrm>
-            <a:off x="5306680" y="4054365"/>
-            <a:ext cx="1079962" cy="12381"/>
-          </a:xfrm>
-          <a:prstGeom prst="curvedConnector3">
-            <a:avLst>
-              <a:gd name="adj1" fmla="val 50000"/>
-            </a:avLst>
-          </a:prstGeom>
-          <a:ln w="12700">
-            <a:solidFill>
-              <a:schemeClr val="tx1"/>
-            </a:solidFill>
-            <a:tailEnd type="arrow"/>
-          </a:ln>
-        </p:spPr>
-        <p:style>
-          <a:lnRef idx="2">
-            <a:schemeClr val="accent1"/>
-          </a:lnRef>
-          <a:fillRef idx="0">
-            <a:schemeClr val="accent1"/>
-          </a:fillRef>
-          <a:effectRef idx="1">
-            <a:schemeClr val="accent1"/>
-          </a:effectRef>
-          <a:fontRef idx="minor">
-            <a:schemeClr val="tx1"/>
-          </a:fontRef>
-        </p:style>
-      </p:cxnSp>
       <p:cxnSp>
         <p:nvCxnSpPr>
           <p:cNvPr id="169" name="Curved Connector 168"/>
@@ -29512,7 +29169,7 @@
         </p:nvCxnSpPr>
         <p:spPr>
           <a:xfrm flipV="1">
-            <a:off x="5306680" y="4468411"/>
+            <a:off x="5306680" y="4450305"/>
             <a:ext cx="1168650" cy="6436"/>
           </a:xfrm>
           <a:prstGeom prst="curvedConnector3">
@@ -29799,8 +29456,8 @@
           <p:nvPr/>
         </p:nvSpPr>
         <p:spPr>
-          <a:xfrm>
-            <a:off x="3205202" y="4775915"/>
+          <a:xfrm rot="2638358">
+            <a:off x="3121932" y="3951229"/>
             <a:ext cx="982767" cy="261610"/>
           </a:xfrm>
           <a:prstGeom prst="rect">
@@ -30070,7 +29727,7 @@
         </p:nvSpPr>
         <p:spPr>
           <a:xfrm>
-            <a:off x="356870" y="3805136"/>
+            <a:off x="293248" y="3759909"/>
             <a:ext cx="1107996" cy="261610"/>
           </a:xfrm>
           <a:prstGeom prst="rect">
@@ -30686,6 +30343,194 @@
           </a:fontRef>
         </p:style>
       </p:cxnSp>
+      <p:sp>
+        <p:nvSpPr>
+          <p:cNvPr id="115" name="Oval 114"/>
+          <p:cNvSpPr/>
+          <p:nvPr/>
+        </p:nvSpPr>
+        <p:spPr>
+          <a:xfrm>
+            <a:off x="7233836" y="3057695"/>
+            <a:ext cx="434613" cy="411720"/>
+          </a:xfrm>
+          <a:prstGeom prst="ellipse">
+            <a:avLst/>
+          </a:prstGeom>
+          <a:solidFill>
+            <a:srgbClr val="FF0000">
+              <a:alpha val="27000"/>
+            </a:srgbClr>
+          </a:solidFill>
+          <a:ln>
+            <a:noFill/>
+          </a:ln>
+        </p:spPr>
+        <p:style>
+          <a:lnRef idx="1">
+            <a:schemeClr val="accent1"/>
+          </a:lnRef>
+          <a:fillRef idx="3">
+            <a:schemeClr val="accent1"/>
+          </a:fillRef>
+          <a:effectRef idx="2">
+            <a:schemeClr val="accent1"/>
+          </a:effectRef>
+          <a:fontRef idx="minor">
+            <a:schemeClr val="lt1"/>
+          </a:fontRef>
+        </p:style>
+        <p:txBody>
+          <a:bodyPr rtlCol="0" anchor="ctr"/>
+          <a:lstStyle/>
+          <a:p>
+            <a:pPr algn="ctr"/>
+            <a:endParaRPr lang="en-US"/>
+          </a:p>
+        </p:txBody>
+      </p:sp>
+      <p:cxnSp>
+        <p:nvCxnSpPr>
+          <p:cNvPr id="117" name="Curved Connector 116"/>
+          <p:cNvCxnSpPr>
+            <a:stCxn id="115" idx="4"/>
+          </p:cNvCxnSpPr>
+          <p:nvPr/>
+        </p:nvCxnSpPr>
+        <p:spPr>
+          <a:xfrm rot="16200000" flipH="1">
+            <a:off x="7202108" y="3718450"/>
+            <a:ext cx="696431" cy="198360"/>
+          </a:xfrm>
+          <a:prstGeom prst="curvedConnector3">
+            <a:avLst>
+              <a:gd name="adj1" fmla="val 50000"/>
+            </a:avLst>
+          </a:prstGeom>
+          <a:ln w="12700">
+            <a:solidFill>
+              <a:schemeClr val="tx1"/>
+            </a:solidFill>
+            <a:tailEnd type="arrow"/>
+          </a:ln>
+        </p:spPr>
+        <p:style>
+          <a:lnRef idx="2">
+            <a:schemeClr val="accent1"/>
+          </a:lnRef>
+          <a:fillRef idx="0">
+            <a:schemeClr val="accent1"/>
+          </a:fillRef>
+          <a:effectRef idx="1">
+            <a:schemeClr val="accent1"/>
+          </a:effectRef>
+          <a:fontRef idx="minor">
+            <a:schemeClr val="tx1"/>
+          </a:fontRef>
+        </p:style>
+      </p:cxnSp>
+      <p:sp>
+        <p:nvSpPr>
+          <p:cNvPr id="120" name="TextBox 119"/>
+          <p:cNvSpPr txBox="1"/>
+          <p:nvPr/>
+        </p:nvSpPr>
+        <p:spPr>
+          <a:xfrm>
+            <a:off x="7530397" y="4158256"/>
+            <a:ext cx="1542410" cy="261610"/>
+          </a:xfrm>
+          <a:prstGeom prst="rect">
+            <a:avLst/>
+          </a:prstGeom>
+          <a:noFill/>
+        </p:spPr>
+        <p:txBody>
+          <a:bodyPr wrap="none" rtlCol="0">
+            <a:spAutoFit/>
+          </a:bodyPr>
+          <a:lstStyle/>
+          <a:p>
+            <a:r>
+              <a:rPr lang="en-US" sz="1100" smtClean="0"/>
+              <a:t>Engine </a:t>
+            </a:r>
+            <a:r>
+              <a:rPr lang="en-US" sz="1100" smtClean="0"/>
+              <a:t>Execute Method</a:t>
+            </a:r>
+            <a:endParaRPr lang="en-US" sz="1100" dirty="0"/>
+          </a:p>
+        </p:txBody>
+      </p:sp>
+      <p:cxnSp>
+        <p:nvCxnSpPr>
+          <p:cNvPr id="121" name="Curved Connector 120"/>
+          <p:cNvCxnSpPr/>
+          <p:nvPr/>
+        </p:nvCxnSpPr>
+        <p:spPr>
+          <a:xfrm rot="10800000">
+            <a:off x="729914" y="4544928"/>
+            <a:ext cx="570400" cy="176374"/>
+          </a:xfrm>
+          <a:prstGeom prst="curvedConnector3">
+            <a:avLst>
+              <a:gd name="adj1" fmla="val 50000"/>
+            </a:avLst>
+          </a:prstGeom>
+          <a:ln w="12700">
+            <a:solidFill>
+              <a:schemeClr val="tx1"/>
+            </a:solidFill>
+            <a:tailEnd type="arrow"/>
+          </a:ln>
+        </p:spPr>
+        <p:style>
+          <a:lnRef idx="2">
+            <a:schemeClr val="accent1"/>
+          </a:lnRef>
+          <a:fillRef idx="0">
+            <a:schemeClr val="accent1"/>
+          </a:fillRef>
+          <a:effectRef idx="1">
+            <a:schemeClr val="accent1"/>
+          </a:effectRef>
+          <a:fontRef idx="minor">
+            <a:schemeClr val="tx1"/>
+          </a:fontRef>
+        </p:style>
+      </p:cxnSp>
+      <p:sp>
+        <p:nvSpPr>
+          <p:cNvPr id="123" name="TextBox 122"/>
+          <p:cNvSpPr txBox="1"/>
+          <p:nvPr/>
+        </p:nvSpPr>
+        <p:spPr>
+          <a:xfrm>
+            <a:off x="102942" y="4447376"/>
+            <a:ext cx="697627" cy="261610"/>
+          </a:xfrm>
+          <a:prstGeom prst="rect">
+            <a:avLst/>
+          </a:prstGeom>
+          <a:noFill/>
+        </p:spPr>
+        <p:txBody>
+          <a:bodyPr wrap="none" rtlCol="0">
+            <a:spAutoFit/>
+          </a:bodyPr>
+          <a:lstStyle/>
+          <a:p>
+            <a:r>
+              <a:rPr lang="en-US" sz="1100" smtClean="0"/>
+              <a:t>Registrar</a:t>
+            </a:r>
+            <a:endParaRPr lang="en-US" sz="1100" dirty="0"/>
+          </a:p>
+        </p:txBody>
+      </p:sp>
     </p:spTree>
     <p:extLst>
       <p:ext uri="{BB962C8B-B14F-4D97-AF65-F5344CB8AC3E}">
@@ -30699,7 +30544,7 @@
   <p:timing>
     <p:tnLst>
       <p:par>
-        <p:cTn xmlns:p14="http://schemas.microsoft.com/office/powerpoint/2010/main" id="1" dur="indefinite" restart="never" nodeType="tmRoot"/>
+        <p:cTn id="1" dur="indefinite" restart="never" nodeType="tmRoot"/>
       </p:par>
     </p:tnLst>
   </p:timing>
@@ -30758,7 +30603,7 @@
   <p:timing>
     <p:tnLst>
       <p:par>
-        <p:cTn xmlns:p14="http://schemas.microsoft.com/office/powerpoint/2010/main" id="1" dur="indefinite" restart="never" nodeType="tmRoot"/>
+        <p:cTn id="1" dur="indefinite" restart="never" nodeType="tmRoot"/>
       </p:par>
     </p:tnLst>
   </p:timing>
@@ -48287,7 +48132,7 @@
           <a:p>
             <a:fld id="{BF06E8E5-F442-A442-9496-CA4C4FF489FF}" type="datetime1">
               <a:rPr lang="en-US" smtClean="0"/>
-              <a:t>9/17/15</a:t>
+              <a:t>6/16/17</a:t>
             </a:fld>
             <a:endParaRPr lang="en-US"/>
           </a:p>
@@ -48397,15 +48242,7 @@
                   <a:srgbClr val="254061"/>
                 </a:solidFill>
               </a:rPr>
-              <a:t>Scaling Within a Single Node</a:t>
-            </a:r>
-            <a:r>
-              <a:rPr lang="en-US" sz="3600" dirty="0" smtClean="0">
-                <a:solidFill>
-                  <a:srgbClr val="254061"/>
-                </a:solidFill>
-              </a:rPr>
-              <a:t> </a:t>
+              <a:t>Scaling Within a Single Node </a:t>
             </a:r>
             <a:br>
               <a:rPr lang="en-US" sz="3600" dirty="0" smtClean="0">
@@ -48488,7 +48325,7 @@
           <a:p>
             <a:fld id="{637456A5-3EAC-6D43-BD81-7DD41C7EFE99}" type="datetime1">
               <a:rPr lang="en-US" smtClean="0"/>
-              <a:t>9/17/15</a:t>
+              <a:t>6/16/17</a:t>
             </a:fld>
             <a:endParaRPr lang="en-US"/>
           </a:p>
@@ -48593,15 +48430,7 @@
                   <a:srgbClr val="254061"/>
                 </a:solidFill>
               </a:rPr>
-              <a:t>Scaling Within Multiple Node</a:t>
-            </a:r>
-            <a:r>
-              <a:rPr lang="en-US" sz="3600" dirty="0" smtClean="0">
-                <a:solidFill>
-                  <a:srgbClr val="254061"/>
-                </a:solidFill>
-              </a:rPr>
-              <a:t> </a:t>
+              <a:t>Scaling Within Multiple Node </a:t>
             </a:r>
             <a:br>
               <a:rPr lang="en-US" sz="3600" dirty="0" smtClean="0">
